--- a/Scrum/Metodologías Agiles.pptx
+++ b/Scrum/Metodologías Agiles.pptx
@@ -7,7 +7,7 @@
     <p:sldMasterId id="2147483672" r:id="rId3"/>
   </p:sldMasterIdLst>
   <p:notesMasterIdLst>
-    <p:notesMasterId r:id="rId24"/>
+    <p:notesMasterId r:id="rId20"/>
   </p:notesMasterIdLst>
   <p:sldIdLst>
     <p:sldId id="256" r:id="rId4"/>
@@ -15,21 +15,17 @@
     <p:sldId id="258" r:id="rId6"/>
     <p:sldId id="268" r:id="rId7"/>
     <p:sldId id="259" r:id="rId8"/>
-    <p:sldId id="260" r:id="rId9"/>
-    <p:sldId id="261" r:id="rId10"/>
-    <p:sldId id="263" r:id="rId11"/>
-    <p:sldId id="264" r:id="rId12"/>
-    <p:sldId id="265" r:id="rId13"/>
-    <p:sldId id="269" r:id="rId14"/>
-    <p:sldId id="271" r:id="rId15"/>
-    <p:sldId id="272" r:id="rId16"/>
-    <p:sldId id="270" r:id="rId17"/>
-    <p:sldId id="273" r:id="rId18"/>
-    <p:sldId id="274" r:id="rId19"/>
-    <p:sldId id="275" r:id="rId20"/>
-    <p:sldId id="276" r:id="rId21"/>
-    <p:sldId id="277" r:id="rId22"/>
-    <p:sldId id="278" r:id="rId23"/>
+    <p:sldId id="261" r:id="rId9"/>
+    <p:sldId id="264" r:id="rId10"/>
+    <p:sldId id="265" r:id="rId11"/>
+    <p:sldId id="269" r:id="rId12"/>
+    <p:sldId id="271" r:id="rId13"/>
+    <p:sldId id="272" r:id="rId14"/>
+    <p:sldId id="270" r:id="rId15"/>
+    <p:sldId id="274" r:id="rId16"/>
+    <p:sldId id="275" r:id="rId17"/>
+    <p:sldId id="277" r:id="rId18"/>
+    <p:sldId id="278" r:id="rId19"/>
   </p:sldIdLst>
   <p:sldSz cx="12192000" cy="6858000"/>
   <p:notesSz cx="6858000" cy="9144000"/>
@@ -218,7 +214,7 @@
           <a:p>
             <a:fld id="{298BD1A9-70D6-49C2-B1B0-0943606B1CCC}" type="datetimeFigureOut">
               <a:rPr lang="fr-FR" smtClean="0"/>
-              <a:t>17/09/2017</a:t>
+              <a:t>18/09/2017</a:t>
             </a:fld>
             <a:endParaRPr lang="fr-FR"/>
           </a:p>
@@ -570,6 +566,90 @@
 </p:notes>
 </file>
 
+<file path=ppt/notesSlides/notesSlide2.xml><?xml version="1.0" encoding="utf-8"?>
+<p:notes xmlns:a="http://schemas.openxmlformats.org/drawingml/2006/main" xmlns:r="http://schemas.openxmlformats.org/officeDocument/2006/relationships" xmlns:p="http://schemas.openxmlformats.org/presentationml/2006/main">
+  <p:cSld>
+    <p:spTree>
+      <p:nvGrpSpPr>
+        <p:cNvPr id="1" name=""/>
+        <p:cNvGrpSpPr/>
+        <p:nvPr/>
+      </p:nvGrpSpPr>
+      <p:grpSpPr>
+        <a:xfrm>
+          <a:off x="0" y="0"/>
+          <a:ext cx="0" cy="0"/>
+          <a:chOff x="0" y="0"/>
+          <a:chExt cx="0" cy="0"/>
+        </a:xfrm>
+      </p:grpSpPr>
+      <p:sp>
+        <p:nvSpPr>
+          <p:cNvPr id="2" name="Slide Image Placeholder 1"/>
+          <p:cNvSpPr>
+            <a:spLocks noGrp="1" noRot="1" noChangeAspect="1"/>
+          </p:cNvSpPr>
+          <p:nvPr>
+            <p:ph type="sldImg"/>
+          </p:nvPr>
+        </p:nvSpPr>
+        <p:spPr/>
+      </p:sp>
+      <p:sp>
+        <p:nvSpPr>
+          <p:cNvPr id="3" name="Notes Placeholder 2"/>
+          <p:cNvSpPr>
+            <a:spLocks noGrp="1"/>
+          </p:cNvSpPr>
+          <p:nvPr>
+            <p:ph type="body" idx="1"/>
+          </p:nvPr>
+        </p:nvSpPr>
+        <p:spPr/>
+        <p:txBody>
+          <a:bodyPr/>
+          <a:lstStyle/>
+          <a:p>
+            <a:endParaRPr lang="fr-FR"/>
+          </a:p>
+        </p:txBody>
+      </p:sp>
+      <p:sp>
+        <p:nvSpPr>
+          <p:cNvPr id="4" name="Slide Number Placeholder 3"/>
+          <p:cNvSpPr>
+            <a:spLocks noGrp="1"/>
+          </p:cNvSpPr>
+          <p:nvPr>
+            <p:ph type="sldNum" sz="quarter" idx="10"/>
+          </p:nvPr>
+        </p:nvSpPr>
+        <p:spPr/>
+        <p:txBody>
+          <a:bodyPr/>
+          <a:lstStyle/>
+          <a:p>
+            <a:fld id="{D5C3AE12-EE51-4D13-BF9E-A6D9E37A3C77}" type="slidenum">
+              <a:rPr lang="fr-FR" smtClean="0"/>
+              <a:t>6</a:t>
+            </a:fld>
+            <a:endParaRPr lang="fr-FR"/>
+          </a:p>
+        </p:txBody>
+      </p:sp>
+    </p:spTree>
+    <p:extLst>
+      <p:ext uri="{BB962C8B-B14F-4D97-AF65-F5344CB8AC3E}">
+        <p14:creationId xmlns:p14="http://schemas.microsoft.com/office/powerpoint/2010/main" val="2865775018"/>
+      </p:ext>
+    </p:extLst>
+  </p:cSld>
+  <p:clrMapOvr>
+    <a:masterClrMapping/>
+  </p:clrMapOvr>
+</p:notes>
+</file>
+
 <file path=ppt/slideLayouts/slideLayout1.xml><?xml version="1.0" encoding="utf-8"?>
 <p:sldLayout xmlns:a="http://schemas.openxmlformats.org/drawingml/2006/main" xmlns:r="http://schemas.openxmlformats.org/officeDocument/2006/relationships" xmlns:p="http://schemas.openxmlformats.org/presentationml/2006/main" type="title" preserve="1">
   <p:cSld name="Title Slide">
@@ -701,7 +781,7 @@
           <a:p>
             <a:fld id="{EA85CC05-5A69-4509-9250-0DD70118EACE}" type="datetimeFigureOut">
               <a:rPr lang="fr-FR" smtClean="0"/>
-              <a:t>17/09/2017</a:t>
+              <a:t>18/09/2017</a:t>
             </a:fld>
             <a:endParaRPr lang="fr-FR"/>
           </a:p>
@@ -871,7 +951,7 @@
           <a:p>
             <a:fld id="{EA85CC05-5A69-4509-9250-0DD70118EACE}" type="datetimeFigureOut">
               <a:rPr lang="fr-FR" smtClean="0"/>
-              <a:t>17/09/2017</a:t>
+              <a:t>18/09/2017</a:t>
             </a:fld>
             <a:endParaRPr lang="fr-FR"/>
           </a:p>
@@ -1051,7 +1131,7 @@
           <a:p>
             <a:fld id="{EA85CC05-5A69-4509-9250-0DD70118EACE}" type="datetimeFigureOut">
               <a:rPr lang="fr-FR" smtClean="0"/>
-              <a:t>17/09/2017</a:t>
+              <a:t>18/09/2017</a:t>
             </a:fld>
             <a:endParaRPr lang="fr-FR"/>
           </a:p>
@@ -1250,7 +1330,7 @@
                 </a:solidFill>
               </a:rPr>
               <a:pPr/>
-              <a:t>17/09/2017</a:t>
+              <a:t>18/09/2017</a:t>
             </a:fld>
             <a:endParaRPr lang="fr-FR" dirty="0">
               <a:solidFill>
@@ -1452,7 +1532,7 @@
                 </a:solidFill>
               </a:rPr>
               <a:pPr/>
-              <a:t>17/09/2017</a:t>
+              <a:t>18/09/2017</a:t>
             </a:fld>
             <a:endParaRPr lang="fr-FR" dirty="0">
               <a:solidFill>
@@ -1730,7 +1810,7 @@
                 </a:solidFill>
               </a:rPr>
               <a:pPr/>
-              <a:t>17/09/2017</a:t>
+              <a:t>18/09/2017</a:t>
             </a:fld>
             <a:endParaRPr lang="fr-FR" dirty="0">
               <a:solidFill>
@@ -1994,7 +2074,7 @@
                 </a:solidFill>
               </a:rPr>
               <a:pPr/>
-              <a:t>17/09/2017</a:t>
+              <a:t>18/09/2017</a:t>
             </a:fld>
             <a:endParaRPr lang="fr-FR" dirty="0">
               <a:solidFill>
@@ -2393,7 +2473,7 @@
                 </a:solidFill>
               </a:rPr>
               <a:pPr/>
-              <a:t>17/09/2017</a:t>
+              <a:t>18/09/2017</a:t>
             </a:fld>
             <a:endParaRPr lang="fr-FR" dirty="0">
               <a:solidFill>
@@ -2543,7 +2623,7 @@
                 </a:solidFill>
               </a:rPr>
               <a:pPr/>
-              <a:t>17/09/2017</a:t>
+              <a:t>18/09/2017</a:t>
             </a:fld>
             <a:endParaRPr lang="fr-FR" dirty="0">
               <a:solidFill>
@@ -2670,7 +2750,7 @@
                 </a:solidFill>
               </a:rPr>
               <a:pPr/>
-              <a:t>17/09/2017</a:t>
+              <a:t>18/09/2017</a:t>
             </a:fld>
             <a:endParaRPr lang="fr-FR" dirty="0">
               <a:solidFill>
@@ -2979,7 +3059,7 @@
                 </a:solidFill>
               </a:rPr>
               <a:pPr/>
-              <a:t>17/09/2017</a:t>
+              <a:t>18/09/2017</a:t>
             </a:fld>
             <a:endParaRPr lang="fr-FR" dirty="0">
               <a:solidFill>
@@ -3174,7 +3254,7 @@
           <a:p>
             <a:fld id="{EA85CC05-5A69-4509-9250-0DD70118EACE}" type="datetimeFigureOut">
               <a:rPr lang="fr-FR" smtClean="0"/>
-              <a:t>17/09/2017</a:t>
+              <a:t>18/09/2017</a:t>
             </a:fld>
             <a:endParaRPr lang="fr-FR"/>
           </a:p>
@@ -3434,7 +3514,7 @@
                 </a:solidFill>
               </a:rPr>
               <a:pPr/>
-              <a:t>17/09/2017</a:t>
+              <a:t>18/09/2017</a:t>
             </a:fld>
             <a:endParaRPr lang="fr-FR" dirty="0">
               <a:solidFill>
@@ -3636,7 +3716,7 @@
                 </a:solidFill>
               </a:rPr>
               <a:pPr/>
-              <a:t>17/09/2017</a:t>
+              <a:t>18/09/2017</a:t>
             </a:fld>
             <a:endParaRPr lang="fr-FR" dirty="0">
               <a:solidFill>
@@ -3848,7 +3928,7 @@
                 </a:solidFill>
               </a:rPr>
               <a:pPr/>
-              <a:t>17/09/2017</a:t>
+              <a:t>18/09/2017</a:t>
             </a:fld>
             <a:endParaRPr lang="fr-FR" dirty="0">
               <a:solidFill>
@@ -4072,7 +4152,7 @@
                 </a:solidFill>
               </a:rPr>
               <a:pPr/>
-              <a:t>17/09/2017</a:t>
+              <a:t>18/09/2017</a:t>
             </a:fld>
             <a:endParaRPr lang="fr-FR" dirty="0">
               <a:solidFill>
@@ -4274,7 +4354,7 @@
                 </a:solidFill>
               </a:rPr>
               <a:pPr/>
-              <a:t>17/09/2017</a:t>
+              <a:t>18/09/2017</a:t>
             </a:fld>
             <a:endParaRPr lang="fr-FR" dirty="0">
               <a:solidFill>
@@ -4552,7 +4632,7 @@
                 </a:solidFill>
               </a:rPr>
               <a:pPr/>
-              <a:t>17/09/2017</a:t>
+              <a:t>18/09/2017</a:t>
             </a:fld>
             <a:endParaRPr lang="fr-FR" dirty="0">
               <a:solidFill>
@@ -4816,7 +4896,7 @@
                 </a:solidFill>
               </a:rPr>
               <a:pPr/>
-              <a:t>17/09/2017</a:t>
+              <a:t>18/09/2017</a:t>
             </a:fld>
             <a:endParaRPr lang="fr-FR" dirty="0">
               <a:solidFill>
@@ -5215,7 +5295,7 @@
                 </a:solidFill>
               </a:rPr>
               <a:pPr/>
-              <a:t>17/09/2017</a:t>
+              <a:t>18/09/2017</a:t>
             </a:fld>
             <a:endParaRPr lang="fr-FR" dirty="0">
               <a:solidFill>
@@ -5365,7 +5445,7 @@
                 </a:solidFill>
               </a:rPr>
               <a:pPr/>
-              <a:t>17/09/2017</a:t>
+              <a:t>18/09/2017</a:t>
             </a:fld>
             <a:endParaRPr lang="fr-FR" dirty="0">
               <a:solidFill>
@@ -5492,7 +5572,7 @@
                 </a:solidFill>
               </a:rPr>
               <a:pPr/>
-              <a:t>17/09/2017</a:t>
+              <a:t>18/09/2017</a:t>
             </a:fld>
             <a:endParaRPr lang="fr-FR" dirty="0">
               <a:solidFill>
@@ -5763,7 +5843,7 @@
           <a:p>
             <a:fld id="{EA85CC05-5A69-4509-9250-0DD70118EACE}" type="datetimeFigureOut">
               <a:rPr lang="fr-FR" smtClean="0"/>
-              <a:t>17/09/2017</a:t>
+              <a:t>18/09/2017</a:t>
             </a:fld>
             <a:endParaRPr lang="fr-FR"/>
           </a:p>
@@ -6047,7 +6127,7 @@
                 </a:solidFill>
               </a:rPr>
               <a:pPr/>
-              <a:t>17/09/2017</a:t>
+              <a:t>18/09/2017</a:t>
             </a:fld>
             <a:endParaRPr lang="fr-FR" dirty="0">
               <a:solidFill>
@@ -6332,7 +6412,7 @@
                 </a:solidFill>
               </a:rPr>
               <a:pPr/>
-              <a:t>17/09/2017</a:t>
+              <a:t>18/09/2017</a:t>
             </a:fld>
             <a:endParaRPr lang="fr-FR" dirty="0">
               <a:solidFill>
@@ -6534,7 +6614,7 @@
                 </a:solidFill>
               </a:rPr>
               <a:pPr/>
-              <a:t>17/09/2017</a:t>
+              <a:t>18/09/2017</a:t>
             </a:fld>
             <a:endParaRPr lang="fr-FR" dirty="0">
               <a:solidFill>
@@ -6746,7 +6826,7 @@
                 </a:solidFill>
               </a:rPr>
               <a:pPr/>
-              <a:t>17/09/2017</a:t>
+              <a:t>18/09/2017</a:t>
             </a:fld>
             <a:endParaRPr lang="fr-FR" dirty="0">
               <a:solidFill>
@@ -7003,7 +7083,7 @@
           <a:p>
             <a:fld id="{EA85CC05-5A69-4509-9250-0DD70118EACE}" type="datetimeFigureOut">
               <a:rPr lang="fr-FR" smtClean="0"/>
-              <a:t>17/09/2017</a:t>
+              <a:t>18/09/2017</a:t>
             </a:fld>
             <a:endParaRPr lang="fr-FR"/>
           </a:p>
@@ -7370,7 +7450,7 @@
           <a:p>
             <a:fld id="{EA85CC05-5A69-4509-9250-0DD70118EACE}" type="datetimeFigureOut">
               <a:rPr lang="fr-FR" smtClean="0"/>
-              <a:t>17/09/2017</a:t>
+              <a:t>18/09/2017</a:t>
             </a:fld>
             <a:endParaRPr lang="fr-FR"/>
           </a:p>
@@ -7488,7 +7568,7 @@
           <a:p>
             <a:fld id="{EA85CC05-5A69-4509-9250-0DD70118EACE}" type="datetimeFigureOut">
               <a:rPr lang="fr-FR" smtClean="0"/>
-              <a:t>17/09/2017</a:t>
+              <a:t>18/09/2017</a:t>
             </a:fld>
             <a:endParaRPr lang="fr-FR"/>
           </a:p>
@@ -7583,7 +7663,7 @@
           <a:p>
             <a:fld id="{EA85CC05-5A69-4509-9250-0DD70118EACE}" type="datetimeFigureOut">
               <a:rPr lang="fr-FR" smtClean="0"/>
-              <a:t>17/09/2017</a:t>
+              <a:t>18/09/2017</a:t>
             </a:fld>
             <a:endParaRPr lang="fr-FR"/>
           </a:p>
@@ -7860,7 +7940,7 @@
           <a:p>
             <a:fld id="{EA85CC05-5A69-4509-9250-0DD70118EACE}" type="datetimeFigureOut">
               <a:rPr lang="fr-FR" smtClean="0"/>
-              <a:t>17/09/2017</a:t>
+              <a:t>18/09/2017</a:t>
             </a:fld>
             <a:endParaRPr lang="fr-FR"/>
           </a:p>
@@ -8113,7 +8193,7 @@
           <a:p>
             <a:fld id="{EA85CC05-5A69-4509-9250-0DD70118EACE}" type="datetimeFigureOut">
               <a:rPr lang="fr-FR" smtClean="0"/>
-              <a:t>17/09/2017</a:t>
+              <a:t>18/09/2017</a:t>
             </a:fld>
             <a:endParaRPr lang="fr-FR"/>
           </a:p>
@@ -8326,7 +8406,7 @@
           <a:p>
             <a:fld id="{EA85CC05-5A69-4509-9250-0DD70118EACE}" type="datetimeFigureOut">
               <a:rPr lang="fr-FR" smtClean="0"/>
-              <a:t>17/09/2017</a:t>
+              <a:t>18/09/2017</a:t>
             </a:fld>
             <a:endParaRPr lang="fr-FR"/>
           </a:p>
@@ -8873,7 +8953,7 @@
                 </a:solidFill>
               </a:rPr>
               <a:pPr/>
-              <a:t>17/09/2017</a:t>
+              <a:t>18/09/2017</a:t>
             </a:fld>
             <a:endParaRPr lang="fr-FR" dirty="0">
               <a:solidFill>
@@ -9445,7 +9525,7 @@
                 </a:solidFill>
               </a:rPr>
               <a:pPr/>
-              <a:t>17/09/2017</a:t>
+              <a:t>18/09/2017</a:t>
             </a:fld>
             <a:endParaRPr lang="fr-FR" dirty="0">
               <a:solidFill>
@@ -9940,21 +10020,23 @@
           <a:p>
             <a:pPr algn="r"/>
             <a:r>
-              <a:rPr lang="es-CO" dirty="0" smtClean="0"/>
-              <a:t>Daniel </a:t>
-            </a:r>
-            <a:r>
-              <a:rPr lang="es-CO" dirty="0" smtClean="0"/>
-              <a:t>Buitrago</a:t>
+              <a:rPr lang="es-CO" dirty="0" smtClean="0">
+                <a:latin typeface="Dekar" panose="02000000000000000000" pitchFamily="50" charset="0"/>
+              </a:rPr>
+              <a:t>Daniel Buitrago</a:t>
             </a:r>
           </a:p>
           <a:p>
             <a:pPr algn="r"/>
             <a:r>
-              <a:rPr lang="es-CO" dirty="0" smtClean="0"/>
+              <a:rPr lang="es-CO" dirty="0" smtClean="0">
+                <a:latin typeface="Dekar" panose="02000000000000000000" pitchFamily="50" charset="0"/>
+              </a:rPr>
               <a:t>Sept, 2017</a:t>
             </a:r>
-            <a:endParaRPr lang="fr-FR" dirty="0"/>
+            <a:endParaRPr lang="fr-FR" dirty="0">
+              <a:latin typeface="Dekar" panose="02000000000000000000" pitchFamily="50" charset="0"/>
+            </a:endParaRPr>
           </a:p>
         </p:txBody>
       </p:sp>
@@ -9968,6 +10050,13 @@
   <p:clrMapOvr>
     <a:masterClrMapping/>
   </p:clrMapOvr>
+  <p:timing>
+    <p:tnLst>
+      <p:par>
+        <p:cTn id="1" dur="indefinite" restart="never" nodeType="tmRoot"/>
+      </p:par>
+    </p:tnLst>
+  </p:timing>
 </p:sld>
 </file>
 
@@ -9990,7 +10079,7 @@
       </p:grpSpPr>
       <p:sp>
         <p:nvSpPr>
-          <p:cNvPr id="4" name="Title 3"/>
+          <p:cNvPr id="2" name="Title 1"/>
           <p:cNvSpPr>
             <a:spLocks noGrp="1"/>
           </p:cNvSpPr>
@@ -10011,81 +10100,118 @@
                 </a:solidFill>
                 <a:latin typeface="Dekar" panose="02000000000000000000" pitchFamily="50" charset="0"/>
               </a:rPr>
-              <a:t>Principales metodologías ágiles (2</a:t>
+              <a:t>Scrum</a:t>
+            </a:r>
+            <a:endParaRPr lang="fr-FR" dirty="0"/>
+          </a:p>
+        </p:txBody>
+      </p:sp>
+      <p:sp>
+        <p:nvSpPr>
+          <p:cNvPr id="3" name="Content Placeholder 2"/>
+          <p:cNvSpPr>
+            <a:spLocks noGrp="1"/>
+          </p:cNvSpPr>
+          <p:nvPr>
+            <p:ph idx="1"/>
+          </p:nvPr>
+        </p:nvSpPr>
+        <p:spPr/>
+        <p:txBody>
+          <a:bodyPr/>
+          <a:lstStyle/>
+          <a:p>
+            <a:pPr marL="0" indent="0">
+              <a:buNone/>
+            </a:pPr>
+            <a:r>
+              <a:rPr lang="es-CO" dirty="0" smtClean="0">
+                <a:latin typeface="+mj-lt"/>
+              </a:rPr>
+              <a:t>Características especificas de Scrum:</a:t>
+            </a:r>
+          </a:p>
+          <a:p>
+            <a:pPr marL="0" indent="0">
+              <a:buNone/>
+            </a:pPr>
+            <a:endParaRPr lang="es-CO" dirty="0">
+              <a:latin typeface="+mj-lt"/>
+            </a:endParaRPr>
+          </a:p>
+          <a:p>
+            <a:pPr marL="457200" lvl="1" indent="0">
+              <a:buNone/>
+            </a:pPr>
+            <a:r>
+              <a:rPr lang="es-CO" dirty="0" smtClean="0">
+                <a:latin typeface="+mj-lt"/>
+              </a:rPr>
+              <a:t>1. Una de las </a:t>
+            </a:r>
+            <a:r>
+              <a:rPr lang="es-CO" dirty="0" smtClean="0">
+                <a:latin typeface="+mj-lt"/>
+              </a:rPr>
+              <a:t>bases, </a:t>
+            </a:r>
+            <a:r>
+              <a:rPr lang="es-CO" dirty="0" smtClean="0">
+                <a:latin typeface="+mj-lt"/>
+              </a:rPr>
+              <a:t>es el </a:t>
             </a:r>
             <a:r>
               <a:rPr lang="es-CO" dirty="0" smtClean="0">
                 <a:solidFill>
                   <a:srgbClr val="C00000"/>
                 </a:solidFill>
-                <a:latin typeface="Calibri Light" panose="020F0302020204030204" pitchFamily="34" charset="0"/>
-              </a:rPr>
-              <a:t> /</a:t>
-            </a:r>
-            <a:r>
-              <a:rPr lang="es-CO" dirty="0" smtClean="0">
-                <a:solidFill>
-                  <a:srgbClr val="C00000"/>
-                </a:solidFill>
-                <a:latin typeface="Dekar" panose="02000000000000000000" pitchFamily="50" charset="0"/>
-              </a:rPr>
-              <a:t>2)</a:t>
-            </a:r>
+                <a:latin typeface="+mj-lt"/>
+              </a:rPr>
+              <a:t>ciclo de vida iterativo e incremental</a:t>
+            </a:r>
+            <a:r>
+              <a:rPr lang="es-CO" dirty="0" smtClean="0">
+                <a:latin typeface="+mj-lt"/>
+              </a:rPr>
+              <a:t>. El ciclo de vida iterativo o incremental es aquel en </a:t>
+            </a:r>
+            <a:r>
+              <a:rPr lang="es-CO" dirty="0" smtClean="0">
+                <a:latin typeface="+mj-lt"/>
+              </a:rPr>
+              <a:t>el que </a:t>
+            </a:r>
+            <a:r>
+              <a:rPr lang="es-CO" dirty="0" smtClean="0">
+                <a:latin typeface="+mj-lt"/>
+              </a:rPr>
+              <a:t>se va liberando el producto en pares, periódicamente, iterativamente, poco a poco y además, cada entrega es el incremento de funcionalidad respecto a la </a:t>
+            </a:r>
+            <a:r>
+              <a:rPr lang="es-CO" dirty="0" smtClean="0">
+                <a:latin typeface="+mj-lt"/>
+              </a:rPr>
+              <a:t>anterior.</a:t>
+            </a:r>
+            <a:endParaRPr lang="es-CO" dirty="0" smtClean="0">
+              <a:latin typeface="+mj-lt"/>
+            </a:endParaRPr>
+          </a:p>
+          <a:p>
+            <a:pPr marL="0" indent="0">
+              <a:buNone/>
+            </a:pPr>
             <a:endParaRPr lang="fr-FR" dirty="0">
-              <a:solidFill>
-                <a:srgbClr val="C00000"/>
-              </a:solidFill>
-              <a:latin typeface="Dekar" panose="02000000000000000000" pitchFamily="50" charset="0"/>
+              <a:latin typeface="+mj-lt"/>
             </a:endParaRPr>
-          </a:p>
-        </p:txBody>
-      </p:sp>
-      <p:sp>
-        <p:nvSpPr>
-          <p:cNvPr id="5" name="Content Placeholder 4"/>
-          <p:cNvSpPr>
-            <a:spLocks noGrp="1"/>
-          </p:cNvSpPr>
-          <p:nvPr>
-            <p:ph idx="1"/>
-          </p:nvPr>
-        </p:nvSpPr>
-        <p:spPr/>
-        <p:txBody>
-          <a:bodyPr/>
-          <a:lstStyle/>
-          <a:p>
-            <a:pPr marL="0" indent="0" algn="ctr">
-              <a:buNone/>
-            </a:pPr>
-            <a:endParaRPr lang="es-CO" dirty="0" smtClean="0"/>
-          </a:p>
-          <a:p>
-            <a:pPr marL="0" indent="0" algn="ctr">
-              <a:buNone/>
-            </a:pPr>
-            <a:r>
-              <a:rPr lang="es-CO" dirty="0" smtClean="0">
-                <a:solidFill>
-                  <a:srgbClr val="C00000"/>
-                </a:solidFill>
-                <a:latin typeface="+mj-lt"/>
-              </a:rPr>
-              <a:t>XP</a:t>
-            </a:r>
-            <a:r>
-              <a:rPr lang="es-CO" dirty="0" smtClean="0">
-                <a:latin typeface="+mj-lt"/>
-              </a:rPr>
-              <a:t>. Metodología centrada en potenciar las relaciones interpersonales como clave para el éxito en desarrollo de software, promoviendo el trabajo en equipo, preocupándose por el aprendizaje de los desarrolladores y propiciando un buen CLIO.</a:t>
-            </a:r>
           </a:p>
         </p:txBody>
       </p:sp>
     </p:spTree>
     <p:extLst>
       <p:ext uri="{BB962C8B-B14F-4D97-AF65-F5344CB8AC3E}">
-        <p14:creationId xmlns:p14="http://schemas.microsoft.com/office/powerpoint/2010/main" val="1298820666"/>
+        <p14:creationId xmlns:p14="http://schemas.microsoft.com/office/powerpoint/2010/main" val="1016732699"/>
       </p:ext>
     </p:extLst>
   </p:cSld>
@@ -10121,7 +10247,7 @@
       </p:grpSpPr>
       <p:sp>
         <p:nvSpPr>
-          <p:cNvPr id="4" name="Title 3"/>
+          <p:cNvPr id="2" name="Title 1"/>
           <p:cNvSpPr>
             <a:spLocks noGrp="1"/>
           </p:cNvSpPr>
@@ -10142,37 +10268,15 @@
                 </a:solidFill>
                 <a:latin typeface="Dekar" panose="02000000000000000000" pitchFamily="50" charset="0"/>
               </a:rPr>
-              <a:t>Scrum (1</a:t>
-            </a:r>
-            <a:r>
-              <a:rPr lang="es-CO" dirty="0" smtClean="0">
-                <a:solidFill>
-                  <a:srgbClr val="C00000"/>
-                </a:solidFill>
-              </a:rPr>
-              <a:t>/</a:t>
-            </a:r>
-            <a:r>
-              <a:rPr lang="es-CO" dirty="0" smtClean="0">
-                <a:solidFill>
-                  <a:srgbClr val="C00000"/>
-                </a:solidFill>
-                <a:latin typeface="Dekar" panose="02000000000000000000" pitchFamily="50" charset="0"/>
-              </a:rPr>
-              <a:t>3)</a:t>
-            </a:r>
-            <a:endParaRPr lang="fr-FR" dirty="0">
-              <a:solidFill>
-                <a:srgbClr val="C00000"/>
-              </a:solidFill>
-              <a:latin typeface="Dekar" panose="02000000000000000000" pitchFamily="50" charset="0"/>
-            </a:endParaRPr>
-          </a:p>
-        </p:txBody>
-      </p:sp>
-      <p:sp>
-        <p:nvSpPr>
-          <p:cNvPr id="6" name="Content Placeholder 5"/>
+              <a:t>Scrum</a:t>
+            </a:r>
+            <a:endParaRPr lang="fr-FR" dirty="0"/>
+          </a:p>
+        </p:txBody>
+      </p:sp>
+      <p:sp>
+        <p:nvSpPr>
+          <p:cNvPr id="3" name="Content Placeholder 2"/>
           <p:cNvSpPr>
             <a:spLocks noGrp="1"/>
           </p:cNvSpPr>
@@ -10182,13 +10286,13 @@
         </p:nvSpPr>
         <p:spPr>
           <a:xfrm>
-            <a:off x="838200" y="1574800"/>
-            <a:ext cx="10515600" cy="4602163"/>
+            <a:off x="838200" y="1690688"/>
+            <a:ext cx="10515600" cy="4486275"/>
           </a:xfrm>
         </p:spPr>
         <p:txBody>
           <a:bodyPr>
-            <a:normAutofit fontScale="92500"/>
+            <a:normAutofit fontScale="92500" lnSpcReduction="10000"/>
           </a:bodyPr>
           <a:lstStyle/>
           <a:p>
@@ -10199,79 +10303,133 @@
               <a:rPr lang="es-CO" dirty="0" smtClean="0">
                 <a:latin typeface="+mj-lt"/>
               </a:rPr>
-              <a:t>Modelo de desarrollo ágil caracterizado por:</a:t>
+              <a:t>2. El segundo pilar mas importante de Scrum son las revisiones. Su importancia reside en que las reuniones son la base para lograr transparencia y comunicación, y posibilitan algo característico en un equipo ágil:</a:t>
             </a:r>
           </a:p>
           <a:p>
             <a:pPr marL="0" indent="0">
               <a:buNone/>
             </a:pPr>
-            <a:endParaRPr lang="es-CO" dirty="0">
+            <a:endParaRPr lang="es-CO" dirty="0" smtClean="0">
               <a:latin typeface="+mj-lt"/>
             </a:endParaRPr>
           </a:p>
           <a:p>
-            <a:pPr marL="514350" indent="-514350">
+            <a:pPr marL="971550" lvl="1" indent="-514350">
+              <a:lnSpc>
+                <a:spcPct val="110000"/>
+              </a:lnSpc>
+              <a:buFont typeface="+mj-lt"/>
               <a:buAutoNum type="arabicPeriod"/>
             </a:pPr>
             <a:r>
               <a:rPr lang="es-CO" dirty="0" smtClean="0">
+                <a:solidFill>
+                  <a:srgbClr val="C00000"/>
+                </a:solidFill>
                 <a:latin typeface="+mj-lt"/>
               </a:rPr>
-              <a:t>Aportar una estrategia de </a:t>
-            </a:r>
-            <a:r>
-              <a:rPr lang="es-CO" dirty="0" smtClean="0">
-                <a:solidFill>
-                  <a:srgbClr val="C00000"/>
-                </a:solidFill>
+              <a:t>Reunión de planificación del sprint</a:t>
+            </a:r>
+            <a:r>
+              <a:rPr lang="es-CO" dirty="0" smtClean="0">
                 <a:latin typeface="+mj-lt"/>
               </a:rPr>
-              <a:t>desarrollo incremental</a:t>
-            </a:r>
-            <a:r>
-              <a:rPr lang="es-CO" dirty="0" smtClean="0">
-                <a:latin typeface="+mj-lt"/>
-              </a:rPr>
-              <a:t>, en lugar de la planificación y ejecución completa del producto.</a:t>
-            </a:r>
-          </a:p>
-          <a:p>
-            <a:pPr marL="514350" indent="-514350">
+              <a:t>. Al principio de cada sprint, para decidir que se va a realizar en ese sprint.</a:t>
+            </a:r>
+          </a:p>
+          <a:p>
+            <a:pPr marL="971550" lvl="1" indent="-514350">
+              <a:lnSpc>
+                <a:spcPct val="110000"/>
+              </a:lnSpc>
+              <a:buFont typeface="+mj-lt"/>
               <a:buAutoNum type="arabicPeriod"/>
             </a:pPr>
             <a:r>
               <a:rPr lang="es-CO" dirty="0" smtClean="0">
+                <a:solidFill>
+                  <a:srgbClr val="C00000"/>
+                </a:solidFill>
                 <a:latin typeface="+mj-lt"/>
               </a:rPr>
-              <a:t>La calidad del resultado se basa principalmente en el conocimiento innato de las personas en </a:t>
-            </a:r>
-            <a:r>
-              <a:rPr lang="es-CO" dirty="0" smtClean="0">
-                <a:solidFill>
-                  <a:srgbClr val="C00000"/>
-                </a:solidFill>
+              <a:t>Reunión diaria</a:t>
+            </a:r>
+            <a:r>
+              <a:rPr lang="es-CO" dirty="0" smtClean="0">
                 <a:latin typeface="+mj-lt"/>
               </a:rPr>
-              <a:t>equipos auto organizados</a:t>
+              <a:t>. Máximo 15 minutos. Se </a:t>
             </a:r>
             <a:r>
               <a:rPr lang="es-CO" dirty="0" smtClean="0">
                 <a:latin typeface="+mj-lt"/>
               </a:rPr>
-              <a:t>, antes que en la calidad de los procesos empleados.</a:t>
-            </a:r>
-          </a:p>
-          <a:p>
-            <a:pPr marL="514350" indent="-514350">
+              <a:t>trata: </a:t>
+            </a:r>
+            <a:r>
+              <a:rPr lang="es-CO" dirty="0" smtClean="0">
+                <a:latin typeface="+mj-lt"/>
+              </a:rPr>
+              <a:t>que se hizo ayer, que vas a hacer hoy y que problemas </a:t>
+            </a:r>
+            <a:r>
+              <a:rPr lang="es-CO" dirty="0" smtClean="0">
+                <a:latin typeface="+mj-lt"/>
+              </a:rPr>
+              <a:t>se </a:t>
+            </a:r>
+            <a:r>
+              <a:rPr lang="es-CO" dirty="0" smtClean="0">
+                <a:latin typeface="+mj-lt"/>
+              </a:rPr>
+              <a:t>han encontrado.</a:t>
+            </a:r>
+          </a:p>
+          <a:p>
+            <a:pPr marL="971550" lvl="1" indent="-514350">
+              <a:lnSpc>
+                <a:spcPct val="110000"/>
+              </a:lnSpc>
+              <a:buFont typeface="+mj-lt"/>
               <a:buAutoNum type="arabicPeriod"/>
             </a:pPr>
             <a:r>
               <a:rPr lang="es-CO" dirty="0" smtClean="0">
+                <a:solidFill>
+                  <a:srgbClr val="C00000"/>
+                </a:solidFill>
                 <a:latin typeface="+mj-lt"/>
               </a:rPr>
-              <a:t>Seguir los pasos del desarrollo ágil: Desde el concepto o visión general de la necesidad del cliente, construcción del producto de forma incremental a través de iteraciones. Estas iteraciones se repiten de forma continua hasta que el cliente da por cerrada la </a:t>
-            </a:r>
+              <a:t>Reunión de revisiones del Sprint</a:t>
+            </a:r>
+            <a:r>
+              <a:rPr lang="es-CO" dirty="0" smtClean="0">
+                <a:latin typeface="+mj-lt"/>
+              </a:rPr>
+              <a:t>. Al final de cada sprint, se trata que </a:t>
+            </a:r>
+            <a:r>
+              <a:rPr lang="es-CO" dirty="0" smtClean="0">
+                <a:latin typeface="+mj-lt"/>
+              </a:rPr>
+              <a:t>se ha </a:t>
+            </a:r>
+            <a:r>
+              <a:rPr lang="es-CO" dirty="0" smtClean="0">
+                <a:latin typeface="+mj-lt"/>
+              </a:rPr>
+              <a:t>completado y que no.</a:t>
+            </a:r>
+          </a:p>
+          <a:p>
+            <a:pPr marL="971550" lvl="1" indent="-514350">
+              <a:lnSpc>
+                <a:spcPct val="110000"/>
+              </a:lnSpc>
+              <a:buFont typeface="+mj-lt"/>
+              <a:buAutoNum type="arabicPeriod"/>
+            </a:pPr>
             <a:r>
               <a:rPr lang="es-CO" dirty="0" smtClean="0">
                 <a:solidFill>
@@ -10279,13 +10437,25 @@
                 </a:solidFill>
                 <a:latin typeface="+mj-lt"/>
               </a:rPr>
-              <a:t>evolución del producto</a:t>
+              <a:t>Retrospectiva del Sprint</a:t>
             </a:r>
             <a:r>
               <a:rPr lang="es-CO" dirty="0" smtClean="0">
                 <a:latin typeface="+mj-lt"/>
               </a:rPr>
-              <a:t>.</a:t>
+              <a:t>. También al final del sprint, y sirve para que los implicados den sus impresiones sobre </a:t>
+            </a:r>
+            <a:r>
+              <a:rPr lang="es-CO" dirty="0" smtClean="0">
+                <a:latin typeface="+mj-lt"/>
+              </a:rPr>
+              <a:t>el </a:t>
+            </a:r>
+            <a:r>
+              <a:rPr lang="es-CO" dirty="0" smtClean="0">
+                <a:latin typeface="+mj-lt"/>
+              </a:rPr>
+              <a:t>sprint y se utiliza para la mejora del proceso.</a:t>
             </a:r>
           </a:p>
           <a:p>
@@ -10301,7 +10471,7 @@
     </p:spTree>
     <p:extLst>
       <p:ext uri="{BB962C8B-B14F-4D97-AF65-F5344CB8AC3E}">
-        <p14:creationId xmlns:p14="http://schemas.microsoft.com/office/powerpoint/2010/main" val="895661879"/>
+        <p14:creationId xmlns:p14="http://schemas.microsoft.com/office/powerpoint/2010/main" val="912462819"/>
       </p:ext>
     </p:extLst>
   </p:cSld>
@@ -10335,135 +10505,174 @@
           <a:chExt cx="0" cy="0"/>
         </a:xfrm>
       </p:grpSpPr>
-      <p:sp>
-        <p:nvSpPr>
-          <p:cNvPr id="2" name="Title 1"/>
-          <p:cNvSpPr>
-            <a:spLocks noGrp="1"/>
-          </p:cNvSpPr>
-          <p:nvPr>
-            <p:ph type="title"/>
-          </p:nvPr>
-        </p:nvSpPr>
-        <p:spPr/>
-        <p:txBody>
-          <a:bodyPr/>
-          <a:lstStyle/>
-          <a:p>
-            <a:pPr algn="ctr"/>
+      <p:pic>
+        <p:nvPicPr>
+          <p:cNvPr id="4" name="Content Placeholder 3"/>
+          <p:cNvPicPr>
+            <a:picLocks noGrp="1" noChangeAspect="1"/>
+          </p:cNvPicPr>
+          <p:nvPr>
+            <p:ph idx="1"/>
+          </p:nvPr>
+        </p:nvPicPr>
+        <p:blipFill>
+          <a:blip r:embed="rId2"/>
+          <a:stretch>
+            <a:fillRect/>
+          </a:stretch>
+        </p:blipFill>
+        <p:spPr>
+          <a:xfrm>
+            <a:off x="1701541" y="972675"/>
+            <a:ext cx="8544423" cy="4653425"/>
+          </a:xfrm>
+          <a:prstGeom prst="rect">
+            <a:avLst/>
+          </a:prstGeom>
+        </p:spPr>
+      </p:pic>
+      <p:sp>
+        <p:nvSpPr>
+          <p:cNvPr id="2" name="TextBox 1"/>
+          <p:cNvSpPr txBox="1"/>
+          <p:nvPr/>
+        </p:nvSpPr>
+        <p:spPr>
+          <a:xfrm>
+            <a:off x="2235201" y="5173783"/>
+            <a:ext cx="1695938" cy="369332"/>
+          </a:xfrm>
+          <a:prstGeom prst="rect">
+            <a:avLst/>
+          </a:prstGeom>
+          <a:noFill/>
+        </p:spPr>
+        <p:txBody>
+          <a:bodyPr wrap="square" rtlCol="0">
+            <a:spAutoFit/>
+          </a:bodyPr>
+          <a:lstStyle/>
+          <a:p>
+            <a:r>
+              <a:rPr lang="es-CO" dirty="0" smtClean="0">
+                <a:solidFill>
+                  <a:srgbClr val="C00000"/>
+                </a:solidFill>
+              </a:rPr>
+              <a:t>Product </a:t>
+            </a:r>
             <a:r>
               <a:rPr lang="es-CO" dirty="0">
                 <a:solidFill>
                   <a:srgbClr val="C00000"/>
                 </a:solidFill>
-                <a:latin typeface="Dekar" panose="02000000000000000000" pitchFamily="50" charset="0"/>
-              </a:rPr>
-              <a:t>Scrum </a:t>
+              </a:rPr>
+              <a:t>B</a:t>
             </a:r>
             <a:r>
               <a:rPr lang="es-CO" dirty="0" smtClean="0">
                 <a:solidFill>
                   <a:srgbClr val="C00000"/>
                 </a:solidFill>
-                <a:latin typeface="Dekar" panose="02000000000000000000" pitchFamily="50" charset="0"/>
-              </a:rPr>
-              <a:t>(2</a:t>
-            </a:r>
+              </a:rPr>
+              <a:t>acklog</a:t>
+            </a:r>
+            <a:endParaRPr lang="fr-FR" dirty="0">
+              <a:solidFill>
+                <a:srgbClr val="C00000"/>
+              </a:solidFill>
+            </a:endParaRPr>
+          </a:p>
+        </p:txBody>
+      </p:sp>
+      <p:sp>
+        <p:nvSpPr>
+          <p:cNvPr id="5" name="TextBox 4"/>
+          <p:cNvSpPr txBox="1"/>
+          <p:nvPr/>
+        </p:nvSpPr>
+        <p:spPr>
+          <a:xfrm>
+            <a:off x="4575910" y="5173783"/>
+            <a:ext cx="1559166" cy="369332"/>
+          </a:xfrm>
+          <a:prstGeom prst="rect">
+            <a:avLst/>
+          </a:prstGeom>
+          <a:noFill/>
+        </p:spPr>
+        <p:txBody>
+          <a:bodyPr wrap="square" rtlCol="0">
+            <a:spAutoFit/>
+          </a:bodyPr>
+          <a:lstStyle/>
+          <a:p>
             <a:r>
               <a:rPr lang="es-CO" dirty="0" smtClean="0">
                 <a:solidFill>
                   <a:srgbClr val="C00000"/>
                 </a:solidFill>
               </a:rPr>
-              <a:t>/</a:t>
-            </a:r>
-            <a:r>
-              <a:rPr lang="es-CO" dirty="0" smtClean="0">
+              <a:t>Sprint </a:t>
+            </a:r>
+            <a:r>
+              <a:rPr lang="es-CO" dirty="0">
                 <a:solidFill>
                   <a:srgbClr val="C00000"/>
                 </a:solidFill>
-                <a:latin typeface="Dekar" panose="02000000000000000000" pitchFamily="50" charset="0"/>
-              </a:rPr>
-              <a:t>3</a:t>
-            </a:r>
-            <a:r>
-              <a:rPr lang="es-CO" dirty="0">
+              </a:rPr>
+              <a:t>B</a:t>
+            </a:r>
+            <a:r>
+              <a:rPr lang="es-CO" dirty="0" smtClean="0">
                 <a:solidFill>
                   <a:srgbClr val="C00000"/>
                 </a:solidFill>
-                <a:latin typeface="Dekar" panose="02000000000000000000" pitchFamily="50" charset="0"/>
-              </a:rPr>
-              <a:t>)</a:t>
-            </a:r>
-            <a:endParaRPr lang="fr-FR" dirty="0"/>
-          </a:p>
-        </p:txBody>
-      </p:sp>
-      <p:sp>
-        <p:nvSpPr>
-          <p:cNvPr id="3" name="Content Placeholder 2"/>
-          <p:cNvSpPr>
-            <a:spLocks noGrp="1"/>
-          </p:cNvSpPr>
-          <p:nvPr>
-            <p:ph idx="1"/>
-          </p:nvPr>
-        </p:nvSpPr>
-        <p:spPr/>
-        <p:txBody>
-          <a:bodyPr/>
-          <a:lstStyle/>
-          <a:p>
-            <a:pPr marL="0" indent="0">
-              <a:buNone/>
-            </a:pPr>
-            <a:r>
-              <a:rPr lang="es-CO" dirty="0" smtClean="0">
-                <a:latin typeface="+mj-lt"/>
-              </a:rPr>
-              <a:t>Características especificas de Scrum:</a:t>
-            </a:r>
-          </a:p>
-          <a:p>
-            <a:pPr marL="0" indent="0">
-              <a:buNone/>
-            </a:pPr>
-            <a:endParaRPr lang="es-CO" dirty="0">
-              <a:latin typeface="+mj-lt"/>
+              </a:rPr>
+              <a:t>acklog</a:t>
+            </a:r>
+            <a:endParaRPr lang="fr-FR" dirty="0">
+              <a:solidFill>
+                <a:srgbClr val="C00000"/>
+              </a:solidFill>
             </a:endParaRPr>
           </a:p>
-          <a:p>
-            <a:pPr marL="0" indent="0">
-              <a:buNone/>
-            </a:pPr>
-            <a:r>
-              <a:rPr lang="es-CO" dirty="0" smtClean="0">
-                <a:latin typeface="+mj-lt"/>
-              </a:rPr>
-              <a:t>1. Una de las bases es el </a:t>
-            </a:r>
+        </p:txBody>
+      </p:sp>
+      <p:sp>
+        <p:nvSpPr>
+          <p:cNvPr id="6" name="TextBox 5"/>
+          <p:cNvSpPr txBox="1"/>
+          <p:nvPr/>
+        </p:nvSpPr>
+        <p:spPr>
+          <a:xfrm>
+            <a:off x="5280139" y="1871783"/>
+            <a:ext cx="1559166" cy="369332"/>
+          </a:xfrm>
+          <a:prstGeom prst="rect">
+            <a:avLst/>
+          </a:prstGeom>
+          <a:noFill/>
+        </p:spPr>
+        <p:txBody>
+          <a:bodyPr wrap="square" rtlCol="0">
+            <a:spAutoFit/>
+          </a:bodyPr>
+          <a:lstStyle/>
+          <a:p>
             <a:r>
               <a:rPr lang="es-CO" dirty="0" smtClean="0">
                 <a:solidFill>
                   <a:srgbClr val="C00000"/>
                 </a:solidFill>
-                <a:latin typeface="+mj-lt"/>
-              </a:rPr>
-              <a:t>ciclo de vida iterativo e incremental</a:t>
-            </a:r>
-            <a:r>
-              <a:rPr lang="es-CO" dirty="0" smtClean="0">
-                <a:latin typeface="+mj-lt"/>
-              </a:rPr>
-              <a:t>. El ciclo de vida iterativo o incremental es aquel en que se va liberando el producto en pares, periódicamente, iterativamente, poco a poco y además, cada entrega es el incremento de funcionalidad respecto a la anterior</a:t>
-            </a:r>
-          </a:p>
-          <a:p>
-            <a:pPr marL="0" indent="0">
-              <a:buNone/>
-            </a:pPr>
+              </a:rPr>
+              <a:t>Daily stand-up</a:t>
+            </a:r>
             <a:endParaRPr lang="fr-FR" dirty="0">
-              <a:latin typeface="+mj-lt"/>
+              <a:solidFill>
+                <a:srgbClr val="C00000"/>
+              </a:solidFill>
             </a:endParaRPr>
           </a:p>
         </p:txBody>
@@ -10471,13 +10680,20 @@
     </p:spTree>
     <p:extLst>
       <p:ext uri="{BB962C8B-B14F-4D97-AF65-F5344CB8AC3E}">
-        <p14:creationId xmlns:p14="http://schemas.microsoft.com/office/powerpoint/2010/main" val="1016732699"/>
+        <p14:creationId xmlns:p14="http://schemas.microsoft.com/office/powerpoint/2010/main" val="1675387403"/>
       </p:ext>
     </p:extLst>
   </p:cSld>
   <p:clrMapOvr>
     <a:masterClrMapping/>
   </p:clrMapOvr>
+  <p:timing>
+    <p:tnLst>
+      <p:par>
+        <p:cTn id="1" dur="indefinite" restart="never" nodeType="tmRoot"/>
+      </p:par>
+    </p:tnLst>
+  </p:timing>
 </p:sld>
 </file>
 
@@ -10500,7 +10716,7 @@
       </p:grpSpPr>
       <p:sp>
         <p:nvSpPr>
-          <p:cNvPr id="2" name="Title 1"/>
+          <p:cNvPr id="4" name="Title 3"/>
           <p:cNvSpPr>
             <a:spLocks noGrp="1"/>
           </p:cNvSpPr>
@@ -10515,13 +10731,13 @@
           <a:p>
             <a:pPr algn="ctr"/>
             <a:r>
-              <a:rPr lang="es-CO" dirty="0">
+              <a:rPr lang="es-CO" dirty="0" smtClean="0">
                 <a:solidFill>
                   <a:srgbClr val="C00000"/>
                 </a:solidFill>
                 <a:latin typeface="Dekar" panose="02000000000000000000" pitchFamily="50" charset="0"/>
               </a:rPr>
-              <a:t>Scrum </a:t>
+              <a:t>Extrem </a:t>
             </a:r>
             <a:r>
               <a:rPr lang="es-CO" dirty="0" smtClean="0">
@@ -10530,41 +10746,20 @@
                 </a:solidFill>
                 <a:latin typeface="Dekar" panose="02000000000000000000" pitchFamily="50" charset="0"/>
               </a:rPr>
-              <a:t>(3</a:t>
-            </a:r>
-            <a:r>
-              <a:rPr lang="es-CO" dirty="0" smtClean="0">
-                <a:solidFill>
-                  <a:srgbClr val="C00000"/>
-                </a:solidFill>
-              </a:rPr>
-              <a:t>/</a:t>
-            </a:r>
-            <a:r>
-              <a:rPr lang="es-CO" dirty="0" smtClean="0">
-                <a:solidFill>
-                  <a:srgbClr val="C00000"/>
-                </a:solidFill>
-                <a:latin typeface="Dekar" panose="02000000000000000000" pitchFamily="50" charset="0"/>
-              </a:rPr>
-              <a:t>3</a:t>
-            </a:r>
-            <a:r>
-              <a:rPr lang="es-CO" dirty="0">
-                <a:solidFill>
-                  <a:srgbClr val="C00000"/>
-                </a:solidFill>
-                <a:latin typeface="Dekar" panose="02000000000000000000" pitchFamily="50" charset="0"/>
-              </a:rPr>
-              <a:t>)</a:t>
-            </a:r>
-            <a:endParaRPr lang="fr-FR" dirty="0"/>
-          </a:p>
-        </p:txBody>
-      </p:sp>
-      <p:sp>
-        <p:nvSpPr>
-          <p:cNvPr id="3" name="Content Placeholder 2"/>
+              <a:t>programing (XP)</a:t>
+            </a:r>
+            <a:endParaRPr lang="fr-FR" sz="3600" dirty="0">
+              <a:solidFill>
+                <a:srgbClr val="C00000"/>
+              </a:solidFill>
+              <a:latin typeface="Dekar" panose="02000000000000000000" pitchFamily="50" charset="0"/>
+            </a:endParaRPr>
+          </a:p>
+        </p:txBody>
+      </p:sp>
+      <p:sp>
+        <p:nvSpPr>
+          <p:cNvPr id="6" name="Content Placeholder 5"/>
           <p:cNvSpPr>
             <a:spLocks noGrp="1"/>
           </p:cNvSpPr>
@@ -10574,26 +10769,15 @@
         </p:nvSpPr>
         <p:spPr>
           <a:xfrm>
-            <a:off x="838200" y="1690688"/>
-            <a:ext cx="10515600" cy="4486275"/>
+            <a:off x="838200" y="1574800"/>
+            <a:ext cx="10515600" cy="4602163"/>
           </a:xfrm>
         </p:spPr>
         <p:txBody>
           <a:bodyPr>
-            <a:normAutofit fontScale="92500"/>
+            <a:normAutofit/>
           </a:bodyPr>
           <a:lstStyle/>
-          <a:p>
-            <a:pPr marL="0" indent="0">
-              <a:buNone/>
-            </a:pPr>
-            <a:r>
-              <a:rPr lang="es-CO" dirty="0" smtClean="0">
-                <a:latin typeface="+mj-lt"/>
-              </a:rPr>
-              <a:t>2. El segundo pilar mas importante de Scrum son las revisiones. Su importancia reside en que las reuniones son la base para lograr transparencia y comunicación, y posibilitan algo característico en un equipo ágil:</a:t>
-            </a:r>
-          </a:p>
           <a:p>
             <a:pPr marL="0" indent="0">
               <a:buNone/>
@@ -10603,10 +10787,23 @@
             </a:endParaRPr>
           </a:p>
           <a:p>
-            <a:pPr marL="971550" lvl="1" indent="-514350">
-              <a:buFont typeface="+mj-lt"/>
-              <a:buAutoNum type="arabicPeriod"/>
+            <a:pPr marL="0" indent="0">
+              <a:buNone/>
             </a:pPr>
+            <a:endParaRPr lang="es-CO" dirty="0" smtClean="0">
+              <a:latin typeface="+mj-lt"/>
+            </a:endParaRPr>
+          </a:p>
+          <a:p>
+            <a:pPr marL="0" indent="0" algn="ctr">
+              <a:buNone/>
+            </a:pPr>
+            <a:r>
+              <a:rPr lang="es-CO" dirty="0" smtClean="0">
+                <a:latin typeface="+mj-lt"/>
+              </a:rPr>
+              <a:t>XP se basa en </a:t>
+            </a:r>
             <a:r>
               <a:rPr lang="es-CO" dirty="0" smtClean="0">
                 <a:solidFill>
@@ -10614,20 +10811,14 @@
                 </a:solidFill>
                 <a:latin typeface="+mj-lt"/>
               </a:rPr>
-              <a:t>Reunión de planificación del sprint</a:t>
+              <a:t>retroalimentación </a:t>
             </a:r>
             <a:r>
               <a:rPr lang="es-CO" dirty="0" smtClean="0">
                 <a:latin typeface="+mj-lt"/>
               </a:rPr>
-              <a:t>. Al principio de cada sprint, para decidir que se va a realizar en ese sprint.</a:t>
-            </a:r>
-          </a:p>
-          <a:p>
-            <a:pPr marL="971550" lvl="1" indent="-514350">
-              <a:buFont typeface="+mj-lt"/>
-              <a:buAutoNum type="arabicPeriod"/>
-            </a:pPr>
+              <a:t>continua entre cliente y el equipo de desarrollo. XP es especialmente adecuada para proyectos con </a:t>
+            </a:r>
             <a:r>
               <a:rPr lang="es-CO" dirty="0" smtClean="0">
                 <a:solidFill>
@@ -10635,55 +10826,13 @@
                 </a:solidFill>
                 <a:latin typeface="+mj-lt"/>
               </a:rPr>
-              <a:t>Reunión diaria</a:t>
+              <a:t>requisitos imprecisos y muy cambiantes</a:t>
             </a:r>
             <a:r>
               <a:rPr lang="es-CO" dirty="0" smtClean="0">
                 <a:latin typeface="+mj-lt"/>
               </a:rPr>
-              <a:t>. Máximo 15 minutos. Se trata que se hizo ayer, que vas a hacer hoy y que problemas  se han encontrado.</a:t>
-            </a:r>
-          </a:p>
-          <a:p>
-            <a:pPr marL="971550" lvl="1" indent="-514350">
-              <a:buFont typeface="+mj-lt"/>
-              <a:buAutoNum type="arabicPeriod"/>
-            </a:pPr>
-            <a:r>
-              <a:rPr lang="es-CO" dirty="0" smtClean="0">
-                <a:solidFill>
-                  <a:srgbClr val="C00000"/>
-                </a:solidFill>
-                <a:latin typeface="+mj-lt"/>
-              </a:rPr>
-              <a:t>Reunión de revisiones del Sprint</a:t>
-            </a:r>
-            <a:r>
-              <a:rPr lang="es-CO" dirty="0" smtClean="0">
-                <a:latin typeface="+mj-lt"/>
-              </a:rPr>
-              <a:t>. Al final de cada sprint, se trata que ha completado y que no.</a:t>
-            </a:r>
-          </a:p>
-          <a:p>
-            <a:pPr marL="971550" lvl="1" indent="-514350">
-              <a:buFont typeface="+mj-lt"/>
-              <a:buAutoNum type="arabicPeriod"/>
-            </a:pPr>
-            <a:r>
-              <a:rPr lang="es-CO" dirty="0" smtClean="0">
-                <a:solidFill>
-                  <a:srgbClr val="C00000"/>
-                </a:solidFill>
-                <a:latin typeface="+mj-lt"/>
-              </a:rPr>
-              <a:t>Retrospectiva del Sprint</a:t>
-            </a:r>
-            <a:r>
-              <a:rPr lang="es-CO" dirty="0" smtClean="0">
-                <a:latin typeface="+mj-lt"/>
-              </a:rPr>
-              <a:t>. También al final del sprint, y sirve para que los implicados den sus impresiones sobre le sprint y se utiliza para la mejora del proceso.</a:t>
+              <a:t>.</a:t>
             </a:r>
           </a:p>
           <a:p>
@@ -10699,13 +10848,20 @@
     </p:spTree>
     <p:extLst>
       <p:ext uri="{BB962C8B-B14F-4D97-AF65-F5344CB8AC3E}">
-        <p14:creationId xmlns:p14="http://schemas.microsoft.com/office/powerpoint/2010/main" val="912462819"/>
+        <p14:creationId xmlns:p14="http://schemas.microsoft.com/office/powerpoint/2010/main" val="681864330"/>
       </p:ext>
     </p:extLst>
   </p:cSld>
   <p:clrMapOvr>
     <a:masterClrMapping/>
   </p:clrMapOvr>
+  <p:timing>
+    <p:tnLst>
+      <p:par>
+        <p:cTn id="1" dur="indefinite" restart="never" nodeType="tmRoot"/>
+      </p:par>
+    </p:tnLst>
+  </p:timing>
 </p:sld>
 </file>
 
@@ -10726,42 +10882,262 @@
           <a:chExt cx="0" cy="0"/>
         </a:xfrm>
       </p:grpSpPr>
-      <p:pic>
-        <p:nvPicPr>
-          <p:cNvPr id="4" name="Content Placeholder 3"/>
-          <p:cNvPicPr>
-            <a:picLocks noGrp="1" noChangeAspect="1"/>
-          </p:cNvPicPr>
+      <p:sp>
+        <p:nvSpPr>
+          <p:cNvPr id="4" name="Title 3"/>
+          <p:cNvSpPr>
+            <a:spLocks noGrp="1"/>
+          </p:cNvSpPr>
+          <p:nvPr>
+            <p:ph type="title"/>
+          </p:nvPr>
+        </p:nvSpPr>
+        <p:spPr/>
+        <p:txBody>
+          <a:bodyPr/>
+          <a:lstStyle/>
+          <a:p>
+            <a:pPr algn="ctr"/>
+            <a:r>
+              <a:rPr lang="es-CO" dirty="0" smtClean="0">
+                <a:solidFill>
+                  <a:srgbClr val="C00000"/>
+                </a:solidFill>
+                <a:latin typeface="Dekar" panose="02000000000000000000" pitchFamily="50" charset="0"/>
+              </a:rPr>
+              <a:t>Extrem </a:t>
+            </a:r>
+            <a:r>
+              <a:rPr lang="es-CO" dirty="0" smtClean="0">
+                <a:solidFill>
+                  <a:srgbClr val="C00000"/>
+                </a:solidFill>
+                <a:latin typeface="Dekar" panose="02000000000000000000" pitchFamily="50" charset="0"/>
+              </a:rPr>
+              <a:t>programing</a:t>
+            </a:r>
+            <a:endParaRPr lang="fr-FR" dirty="0">
+              <a:solidFill>
+                <a:srgbClr val="C00000"/>
+              </a:solidFill>
+              <a:latin typeface="Dekar" panose="02000000000000000000" pitchFamily="50" charset="0"/>
+            </a:endParaRPr>
+          </a:p>
+        </p:txBody>
+      </p:sp>
+      <p:sp>
+        <p:nvSpPr>
+          <p:cNvPr id="6" name="Content Placeholder 5"/>
+          <p:cNvSpPr>
+            <a:spLocks noGrp="1"/>
+          </p:cNvSpPr>
           <p:nvPr>
             <p:ph idx="1"/>
           </p:nvPr>
-        </p:nvPicPr>
-        <p:blipFill>
-          <a:blip r:embed="rId2"/>
-          <a:stretch>
-            <a:fillRect/>
-          </a:stretch>
-        </p:blipFill>
+        </p:nvSpPr>
         <p:spPr>
           <a:xfrm>
-            <a:off x="1701541" y="972675"/>
-            <a:ext cx="8544423" cy="4653425"/>
+            <a:off x="838200" y="1574800"/>
+            <a:ext cx="10515600" cy="4602163"/>
           </a:xfrm>
-          <a:prstGeom prst="rect">
-            <a:avLst/>
-          </a:prstGeom>
         </p:spPr>
-      </p:pic>
+        <p:txBody>
+          <a:bodyPr>
+            <a:normAutofit/>
+          </a:bodyPr>
+          <a:lstStyle/>
+          <a:p>
+            <a:pPr marL="0" indent="0">
+              <a:buNone/>
+            </a:pPr>
+            <a:r>
+              <a:rPr lang="es-CO" dirty="0" smtClean="0">
+                <a:latin typeface="+mj-lt"/>
+              </a:rPr>
+              <a:t>Características especificas XP</a:t>
+            </a:r>
+            <a:r>
+              <a:rPr lang="es-CO" dirty="0" smtClean="0">
+                <a:latin typeface="+mj-lt"/>
+              </a:rPr>
+              <a:t>:</a:t>
+            </a:r>
+          </a:p>
+          <a:p>
+            <a:pPr marL="0" indent="0">
+              <a:buNone/>
+            </a:pPr>
+            <a:endParaRPr lang="es-CO" dirty="0" smtClean="0">
+              <a:latin typeface="+mj-lt"/>
+            </a:endParaRPr>
+          </a:p>
+          <a:p>
+            <a:pPr marL="971550" lvl="1" indent="-514350">
+              <a:buFont typeface="+mj-lt"/>
+              <a:buAutoNum type="arabicPeriod"/>
+            </a:pPr>
+            <a:r>
+              <a:rPr lang="es-CO" dirty="0" smtClean="0">
+                <a:latin typeface="+mj-lt"/>
+              </a:rPr>
+              <a:t>Se valora al </a:t>
+            </a:r>
+            <a:r>
+              <a:rPr lang="es-CO" dirty="0" smtClean="0">
+                <a:solidFill>
+                  <a:srgbClr val="C00000"/>
+                </a:solidFill>
+                <a:latin typeface="+mj-lt"/>
+              </a:rPr>
+              <a:t>individuo y las interacciones </a:t>
+            </a:r>
+            <a:r>
+              <a:rPr lang="es-CO" dirty="0" smtClean="0">
+                <a:latin typeface="+mj-lt"/>
+              </a:rPr>
+              <a:t>del equipo de desarrollo sobre el proceso y las herramientas. La gente es el principal factor de éxito de un proyecto de software.</a:t>
+            </a:r>
+          </a:p>
+          <a:p>
+            <a:pPr marL="971550" lvl="1" indent="-514350">
+              <a:buFont typeface="+mj-lt"/>
+              <a:buAutoNum type="arabicPeriod"/>
+            </a:pPr>
+            <a:r>
+              <a:rPr lang="es-CO" dirty="0" smtClean="0">
+                <a:latin typeface="+mj-lt"/>
+              </a:rPr>
+              <a:t>Desarrollar </a:t>
+            </a:r>
+            <a:r>
+              <a:rPr lang="es-CO" dirty="0" smtClean="0">
+                <a:solidFill>
+                  <a:srgbClr val="C00000"/>
+                </a:solidFill>
+                <a:latin typeface="+mj-lt"/>
+              </a:rPr>
+              <a:t>software que </a:t>
+            </a:r>
+            <a:r>
+              <a:rPr lang="es-CO" dirty="0" smtClean="0">
+                <a:solidFill>
+                  <a:srgbClr val="C00000"/>
+                </a:solidFill>
+                <a:latin typeface="+mj-lt"/>
+              </a:rPr>
+              <a:t>funciona </a:t>
+            </a:r>
+            <a:r>
+              <a:rPr lang="es-CO" dirty="0" smtClean="0">
+                <a:latin typeface="+mj-lt"/>
+              </a:rPr>
+              <a:t>más </a:t>
+            </a:r>
+            <a:r>
+              <a:rPr lang="es-CO" dirty="0" smtClean="0">
+                <a:latin typeface="+mj-lt"/>
+              </a:rPr>
+              <a:t>que conseguir una buena documentación.</a:t>
+            </a:r>
+          </a:p>
+          <a:p>
+            <a:pPr marL="971550" lvl="1" indent="-514350">
+              <a:buFont typeface="+mj-lt"/>
+              <a:buAutoNum type="arabicPeriod"/>
+            </a:pPr>
+            <a:r>
+              <a:rPr lang="es-CO" dirty="0" smtClean="0">
+                <a:latin typeface="+mj-lt"/>
+              </a:rPr>
+              <a:t>La colaboración con el cliente. Se propone que exista una </a:t>
+            </a:r>
+            <a:r>
+              <a:rPr lang="es-CO" dirty="0" smtClean="0">
+                <a:solidFill>
+                  <a:srgbClr val="C00000"/>
+                </a:solidFill>
+                <a:latin typeface="+mj-lt"/>
+              </a:rPr>
+              <a:t>interacción constante </a:t>
+            </a:r>
+            <a:r>
+              <a:rPr lang="es-CO" dirty="0" smtClean="0">
+                <a:latin typeface="+mj-lt"/>
+              </a:rPr>
+              <a:t>ente el cliente y el equipo de desarrollo.</a:t>
+            </a:r>
+          </a:p>
+          <a:p>
+            <a:pPr marL="971550" lvl="1" indent="-514350">
+              <a:buFont typeface="+mj-lt"/>
+              <a:buAutoNum type="arabicPeriod"/>
+            </a:pPr>
+            <a:r>
+              <a:rPr lang="es-CO" dirty="0" smtClean="0">
+                <a:latin typeface="+mj-lt"/>
+              </a:rPr>
+              <a:t>Responder a los cambios. La </a:t>
+            </a:r>
+            <a:r>
+              <a:rPr lang="es-CO" dirty="0" smtClean="0">
+                <a:solidFill>
+                  <a:srgbClr val="C00000"/>
+                </a:solidFill>
+                <a:latin typeface="+mj-lt"/>
+              </a:rPr>
+              <a:t>habilidad de responder a los cambios </a:t>
+            </a:r>
+            <a:r>
+              <a:rPr lang="es-CO" dirty="0" smtClean="0">
+                <a:latin typeface="+mj-lt"/>
+              </a:rPr>
+              <a:t>que pueden surgir a lo largo del proyecto determina también el éxito o fracaso del mismo. La planificación no debe ser estricta sino flexible y abierta.</a:t>
+            </a:r>
+          </a:p>
+          <a:p>
+            <a:pPr marL="514350" indent="-514350">
+              <a:buFont typeface="+mj-lt"/>
+              <a:buAutoNum type="arabicPeriod"/>
+            </a:pPr>
+            <a:endParaRPr lang="es-CO" dirty="0" smtClean="0">
+              <a:latin typeface="+mj-lt"/>
+            </a:endParaRPr>
+          </a:p>
+          <a:p>
+            <a:pPr marL="0" indent="0">
+              <a:buNone/>
+            </a:pPr>
+            <a:endParaRPr lang="es-CO" dirty="0" smtClean="0">
+              <a:latin typeface="+mj-lt"/>
+            </a:endParaRPr>
+          </a:p>
+          <a:p>
+            <a:pPr marL="0" indent="0">
+              <a:buNone/>
+            </a:pPr>
+            <a:endParaRPr lang="fr-FR" dirty="0">
+              <a:latin typeface="+mj-lt"/>
+            </a:endParaRPr>
+          </a:p>
+        </p:txBody>
+      </p:sp>
     </p:spTree>
     <p:extLst>
       <p:ext uri="{BB962C8B-B14F-4D97-AF65-F5344CB8AC3E}">
-        <p14:creationId xmlns:p14="http://schemas.microsoft.com/office/powerpoint/2010/main" val="1675387403"/>
+        <p14:creationId xmlns:p14="http://schemas.microsoft.com/office/powerpoint/2010/main" val="422954533"/>
       </p:ext>
     </p:extLst>
   </p:cSld>
   <p:clrMapOvr>
     <a:masterClrMapping/>
   </p:clrMapOvr>
+  <p:timing>
+    <p:tnLst>
+      <p:par>
+        <p:cTn id="1" dur="indefinite" restart="never" nodeType="tmRoot"/>
+      </p:par>
+    </p:tnLst>
+  </p:timing>
 </p:sld>
 </file>
 
@@ -10805,24 +11181,7 @@
                 </a:solidFill>
                 <a:latin typeface="Dekar" panose="02000000000000000000" pitchFamily="50" charset="0"/>
               </a:rPr>
-              <a:t>Extrem programing (1</a:t>
-            </a:r>
-            <a:r>
-              <a:rPr lang="es-CO" dirty="0" smtClean="0">
-                <a:solidFill>
-                  <a:srgbClr val="C00000"/>
-                </a:solidFill>
-              </a:rPr>
-              <a:t>/</a:t>
-            </a:r>
-            <a:r>
-              <a:rPr lang="es-CO" dirty="0" smtClean="0">
-                <a:solidFill>
-                  <a:srgbClr val="C00000"/>
-                </a:solidFill>
-                <a:latin typeface="Dekar" panose="02000000000000000000" pitchFamily="50" charset="0"/>
-              </a:rPr>
-              <a:t>3)</a:t>
+              <a:t>Kanban</a:t>
             </a:r>
             <a:endParaRPr lang="fr-FR" dirty="0">
               <a:solidFill>
@@ -10855,7 +11214,71 @@
           </a:bodyPr>
           <a:lstStyle/>
           <a:p>
-            <a:pPr marL="0" indent="0">
+            <a:pPr marL="0" indent="0" algn="ctr">
+              <a:lnSpc>
+                <a:spcPct val="100000"/>
+              </a:lnSpc>
+              <a:buNone/>
+            </a:pPr>
+            <a:r>
+              <a:rPr lang="es-CO" dirty="0" smtClean="0">
+                <a:solidFill>
+                  <a:srgbClr val="C00000"/>
+                </a:solidFill>
+                <a:latin typeface="+mj-lt"/>
+              </a:rPr>
+              <a:t>Kanban</a:t>
+            </a:r>
+            <a:r>
+              <a:rPr lang="es-CO" dirty="0" smtClean="0">
+                <a:latin typeface="+mj-lt"/>
+              </a:rPr>
+              <a:t> </a:t>
+            </a:r>
+            <a:r>
+              <a:rPr lang="es-CO" dirty="0" smtClean="0">
+                <a:latin typeface="+mj-lt"/>
+              </a:rPr>
+              <a:t>es una palabra japonesa que significa “</a:t>
+            </a:r>
+            <a:r>
+              <a:rPr lang="es-CO" i="1" dirty="0" smtClean="0">
+                <a:latin typeface="+mj-lt"/>
+              </a:rPr>
+              <a:t>tarjetas visuales</a:t>
+            </a:r>
+            <a:r>
+              <a:rPr lang="es-CO" dirty="0" smtClean="0">
+                <a:latin typeface="+mj-lt"/>
+              </a:rPr>
+              <a:t>”</a:t>
+            </a:r>
+          </a:p>
+          <a:p>
+            <a:pPr marL="0" indent="0" algn="ctr">
+              <a:lnSpc>
+                <a:spcPct val="100000"/>
+              </a:lnSpc>
+              <a:buNone/>
+            </a:pPr>
+            <a:r>
+              <a:rPr lang="es-CO" dirty="0" smtClean="0">
+                <a:latin typeface="+mj-lt"/>
+              </a:rPr>
+              <a:t> (kan: visual, ban: tarjeta</a:t>
+            </a:r>
+            <a:r>
+              <a:rPr lang="es-CO" dirty="0" smtClean="0">
+                <a:latin typeface="+mj-lt"/>
+              </a:rPr>
+              <a:t>).</a:t>
+            </a:r>
+          </a:p>
+          <a:p>
+            <a:pPr marL="0" indent="0" algn="ctr">
+              <a:lnSpc>
+                <a:spcPct val="100000"/>
+              </a:lnSpc>
               <a:buNone/>
             </a:pPr>
             <a:endParaRPr lang="es-CO" dirty="0" smtClean="0">
@@ -10863,53 +11286,69 @@
             </a:endParaRPr>
           </a:p>
           <a:p>
-            <a:pPr marL="0" indent="0">
+            <a:pPr marL="0" indent="0" algn="ctr">
               <a:buNone/>
             </a:pPr>
+            <a:r>
+              <a:rPr lang="es-CO" dirty="0" smtClean="0">
+                <a:latin typeface="+mj-lt"/>
+              </a:rPr>
+              <a:t>Esta </a:t>
+            </a:r>
+            <a:r>
+              <a:rPr lang="es-CO" dirty="0" smtClean="0">
+                <a:latin typeface="+mj-lt"/>
+              </a:rPr>
+              <a:t>técnica se creo en Toyota, y se utiliza para </a:t>
+            </a:r>
+            <a:r>
+              <a:rPr lang="es-CO" dirty="0" smtClean="0">
+                <a:solidFill>
+                  <a:srgbClr val="C00000"/>
+                </a:solidFill>
+                <a:latin typeface="+mj-lt"/>
+              </a:rPr>
+              <a:t>controlar el avance</a:t>
+            </a:r>
+          </a:p>
+          <a:p>
+            <a:pPr marL="0" indent="0" algn="ctr">
+              <a:buNone/>
+            </a:pPr>
+            <a:r>
+              <a:rPr lang="es-CO" dirty="0" smtClean="0">
+                <a:latin typeface="+mj-lt"/>
+              </a:rPr>
+              <a:t>del trabajo, en el contexto de una línea de producción.</a:t>
+            </a:r>
+          </a:p>
+          <a:p>
+            <a:pPr marL="0" indent="0" algn="ctr">
+              <a:buNone/>
+            </a:pPr>
+            <a:endParaRPr lang="es-CO" dirty="0">
+              <a:latin typeface="+mj-lt"/>
+            </a:endParaRPr>
+          </a:p>
+          <a:p>
+            <a:pPr marL="0" indent="0" algn="ctr">
+              <a:buNone/>
+            </a:pPr>
+            <a:r>
+              <a:rPr lang="es-CO" dirty="0" smtClean="0">
+                <a:latin typeface="+mj-lt"/>
+              </a:rPr>
+              <a:t>Actualmente se aplica a la gestión de proyectos de </a:t>
+            </a:r>
+            <a:r>
+              <a:rPr lang="es-CO" dirty="0" smtClean="0">
+                <a:latin typeface="+mj-lt"/>
+              </a:rPr>
+              <a:t>software.</a:t>
+            </a:r>
             <a:endParaRPr lang="es-CO" dirty="0" smtClean="0">
               <a:latin typeface="+mj-lt"/>
             </a:endParaRPr>
-          </a:p>
-          <a:p>
-            <a:pPr marL="0" indent="0" algn="ctr">
-              <a:buNone/>
-            </a:pPr>
-            <a:r>
-              <a:rPr lang="es-CO" dirty="0" smtClean="0">
-                <a:latin typeface="+mj-lt"/>
-              </a:rPr>
-              <a:t>Metodología ágil centrada en potenciar las </a:t>
-            </a:r>
-            <a:r>
-              <a:rPr lang="es-CO" dirty="0" smtClean="0">
-                <a:solidFill>
-                  <a:srgbClr val="C00000"/>
-                </a:solidFill>
-                <a:latin typeface="+mj-lt"/>
-              </a:rPr>
-              <a:t>relaciones interpersonales </a:t>
-            </a:r>
-            <a:r>
-              <a:rPr lang="es-CO" dirty="0" smtClean="0">
-                <a:latin typeface="+mj-lt"/>
-              </a:rPr>
-              <a:t>como clave para el éxito en desarrollo de software, promoviendo el </a:t>
-            </a:r>
-            <a:r>
-              <a:rPr lang="es-CO" dirty="0" smtClean="0">
-                <a:solidFill>
-                  <a:srgbClr val="C00000"/>
-                </a:solidFill>
-                <a:latin typeface="+mj-lt"/>
-              </a:rPr>
-              <a:t>trabajo en equipo</a:t>
-            </a:r>
-            <a:r>
-              <a:rPr lang="es-CO" dirty="0" smtClean="0">
-                <a:latin typeface="+mj-lt"/>
-              </a:rPr>
-              <a:t>, preocupándose por el aprendizaje de los desarrolladores y propiciando un buen clima de trabajo.</a:t>
-            </a:r>
           </a:p>
           <a:p>
             <a:pPr marL="0" indent="0">
@@ -10924,7 +11363,7 @@
     </p:spTree>
     <p:extLst>
       <p:ext uri="{BB962C8B-B14F-4D97-AF65-F5344CB8AC3E}">
-        <p14:creationId xmlns:p14="http://schemas.microsoft.com/office/powerpoint/2010/main" val="3701163894"/>
+        <p14:creationId xmlns:p14="http://schemas.microsoft.com/office/powerpoint/2010/main" val="3865795495"/>
       </p:ext>
     </p:extLst>
   </p:cSld>
@@ -10958,437 +11397,6 @@
           <a:chExt cx="0" cy="0"/>
         </a:xfrm>
       </p:grpSpPr>
-      <p:sp>
-        <p:nvSpPr>
-          <p:cNvPr id="4" name="Title 3"/>
-          <p:cNvSpPr>
-            <a:spLocks noGrp="1"/>
-          </p:cNvSpPr>
-          <p:nvPr>
-            <p:ph type="title"/>
-          </p:nvPr>
-        </p:nvSpPr>
-        <p:spPr/>
-        <p:txBody>
-          <a:bodyPr/>
-          <a:lstStyle/>
-          <a:p>
-            <a:pPr algn="ctr"/>
-            <a:r>
-              <a:rPr lang="es-CO" dirty="0" smtClean="0">
-                <a:solidFill>
-                  <a:srgbClr val="C00000"/>
-                </a:solidFill>
-                <a:latin typeface="Dekar" panose="02000000000000000000" pitchFamily="50" charset="0"/>
-              </a:rPr>
-              <a:t>Extrem programing (2</a:t>
-            </a:r>
-            <a:r>
-              <a:rPr lang="es-CO" dirty="0" smtClean="0">
-                <a:solidFill>
-                  <a:srgbClr val="C00000"/>
-                </a:solidFill>
-              </a:rPr>
-              <a:t>/</a:t>
-            </a:r>
-            <a:r>
-              <a:rPr lang="es-CO" dirty="0" smtClean="0">
-                <a:solidFill>
-                  <a:srgbClr val="C00000"/>
-                </a:solidFill>
-                <a:latin typeface="Dekar" panose="02000000000000000000" pitchFamily="50" charset="0"/>
-              </a:rPr>
-              <a:t>3)</a:t>
-            </a:r>
-            <a:endParaRPr lang="fr-FR" dirty="0">
-              <a:solidFill>
-                <a:srgbClr val="C00000"/>
-              </a:solidFill>
-              <a:latin typeface="Dekar" panose="02000000000000000000" pitchFamily="50" charset="0"/>
-            </a:endParaRPr>
-          </a:p>
-        </p:txBody>
-      </p:sp>
-      <p:sp>
-        <p:nvSpPr>
-          <p:cNvPr id="6" name="Content Placeholder 5"/>
-          <p:cNvSpPr>
-            <a:spLocks noGrp="1"/>
-          </p:cNvSpPr>
-          <p:nvPr>
-            <p:ph idx="1"/>
-          </p:nvPr>
-        </p:nvSpPr>
-        <p:spPr>
-          <a:xfrm>
-            <a:off x="838200" y="1574800"/>
-            <a:ext cx="10515600" cy="4602163"/>
-          </a:xfrm>
-        </p:spPr>
-        <p:txBody>
-          <a:bodyPr>
-            <a:normAutofit/>
-          </a:bodyPr>
-          <a:lstStyle/>
-          <a:p>
-            <a:pPr marL="0" indent="0">
-              <a:buNone/>
-            </a:pPr>
-            <a:endParaRPr lang="es-CO" dirty="0" smtClean="0">
-              <a:latin typeface="+mj-lt"/>
-            </a:endParaRPr>
-          </a:p>
-          <a:p>
-            <a:pPr marL="0" indent="0">
-              <a:buNone/>
-            </a:pPr>
-            <a:endParaRPr lang="es-CO" dirty="0" smtClean="0">
-              <a:latin typeface="+mj-lt"/>
-            </a:endParaRPr>
-          </a:p>
-          <a:p>
-            <a:pPr marL="0" indent="0" algn="ctr">
-              <a:buNone/>
-            </a:pPr>
-            <a:r>
-              <a:rPr lang="es-CO" dirty="0" smtClean="0">
-                <a:latin typeface="+mj-lt"/>
-              </a:rPr>
-              <a:t>XP se basa en </a:t>
-            </a:r>
-            <a:r>
-              <a:rPr lang="es-CO" dirty="0" smtClean="0">
-                <a:solidFill>
-                  <a:srgbClr val="C00000"/>
-                </a:solidFill>
-                <a:latin typeface="+mj-lt"/>
-              </a:rPr>
-              <a:t>retroalimentación </a:t>
-            </a:r>
-            <a:r>
-              <a:rPr lang="es-CO" dirty="0" smtClean="0">
-                <a:latin typeface="+mj-lt"/>
-              </a:rPr>
-              <a:t>continua entre cliente y el equipo de desarrollo. XP es especialmente adecuada para proyectos con </a:t>
-            </a:r>
-            <a:r>
-              <a:rPr lang="es-CO" dirty="0" smtClean="0">
-                <a:solidFill>
-                  <a:srgbClr val="C00000"/>
-                </a:solidFill>
-                <a:latin typeface="+mj-lt"/>
-              </a:rPr>
-              <a:t>requisitos imprecisos y muy cambiantes</a:t>
-            </a:r>
-            <a:r>
-              <a:rPr lang="es-CO" dirty="0" smtClean="0">
-                <a:latin typeface="+mj-lt"/>
-              </a:rPr>
-              <a:t>.</a:t>
-            </a:r>
-          </a:p>
-          <a:p>
-            <a:pPr marL="0" indent="0">
-              <a:buNone/>
-            </a:pPr>
-            <a:endParaRPr lang="fr-FR" dirty="0">
-              <a:latin typeface="+mj-lt"/>
-            </a:endParaRPr>
-          </a:p>
-        </p:txBody>
-      </p:sp>
-    </p:spTree>
-    <p:extLst>
-      <p:ext uri="{BB962C8B-B14F-4D97-AF65-F5344CB8AC3E}">
-        <p14:creationId xmlns:p14="http://schemas.microsoft.com/office/powerpoint/2010/main" val="681864330"/>
-      </p:ext>
-    </p:extLst>
-  </p:cSld>
-  <p:clrMapOvr>
-    <a:masterClrMapping/>
-  </p:clrMapOvr>
-  <p:timing>
-    <p:tnLst>
-      <p:par>
-        <p:cTn id="1" dur="indefinite" restart="never" nodeType="tmRoot"/>
-      </p:par>
-    </p:tnLst>
-  </p:timing>
-</p:sld>
-</file>
-
-<file path=ppt/slides/slide17.xml><?xml version="1.0" encoding="utf-8"?>
-<p:sld xmlns:a="http://schemas.openxmlformats.org/drawingml/2006/main" xmlns:r="http://schemas.openxmlformats.org/officeDocument/2006/relationships" xmlns:p="http://schemas.openxmlformats.org/presentationml/2006/main">
-  <p:cSld>
-    <p:spTree>
-      <p:nvGrpSpPr>
-        <p:cNvPr id="1" name=""/>
-        <p:cNvGrpSpPr/>
-        <p:nvPr/>
-      </p:nvGrpSpPr>
-      <p:grpSpPr>
-        <a:xfrm>
-          <a:off x="0" y="0"/>
-          <a:ext cx="0" cy="0"/>
-          <a:chOff x="0" y="0"/>
-          <a:chExt cx="0" cy="0"/>
-        </a:xfrm>
-      </p:grpSpPr>
-      <p:sp>
-        <p:nvSpPr>
-          <p:cNvPr id="4" name="Title 3"/>
-          <p:cNvSpPr>
-            <a:spLocks noGrp="1"/>
-          </p:cNvSpPr>
-          <p:nvPr>
-            <p:ph type="title"/>
-          </p:nvPr>
-        </p:nvSpPr>
-        <p:spPr/>
-        <p:txBody>
-          <a:bodyPr/>
-          <a:lstStyle/>
-          <a:p>
-            <a:pPr algn="ctr"/>
-            <a:r>
-              <a:rPr lang="es-CO" dirty="0" smtClean="0">
-                <a:solidFill>
-                  <a:srgbClr val="C00000"/>
-                </a:solidFill>
-                <a:latin typeface="Dekar" panose="02000000000000000000" pitchFamily="50" charset="0"/>
-              </a:rPr>
-              <a:t>Extrem programing (3</a:t>
-            </a:r>
-            <a:r>
-              <a:rPr lang="es-CO" dirty="0" smtClean="0">
-                <a:solidFill>
-                  <a:srgbClr val="C00000"/>
-                </a:solidFill>
-              </a:rPr>
-              <a:t>/</a:t>
-            </a:r>
-            <a:r>
-              <a:rPr lang="es-CO" dirty="0" smtClean="0">
-                <a:solidFill>
-                  <a:srgbClr val="C00000"/>
-                </a:solidFill>
-                <a:latin typeface="Dekar" panose="02000000000000000000" pitchFamily="50" charset="0"/>
-              </a:rPr>
-              <a:t>3)</a:t>
-            </a:r>
-            <a:endParaRPr lang="fr-FR" dirty="0">
-              <a:solidFill>
-                <a:srgbClr val="C00000"/>
-              </a:solidFill>
-              <a:latin typeface="Dekar" panose="02000000000000000000" pitchFamily="50" charset="0"/>
-            </a:endParaRPr>
-          </a:p>
-        </p:txBody>
-      </p:sp>
-      <p:sp>
-        <p:nvSpPr>
-          <p:cNvPr id="6" name="Content Placeholder 5"/>
-          <p:cNvSpPr>
-            <a:spLocks noGrp="1"/>
-          </p:cNvSpPr>
-          <p:nvPr>
-            <p:ph idx="1"/>
-          </p:nvPr>
-        </p:nvSpPr>
-        <p:spPr>
-          <a:xfrm>
-            <a:off x="838200" y="1574800"/>
-            <a:ext cx="10515600" cy="4602163"/>
-          </a:xfrm>
-        </p:spPr>
-        <p:txBody>
-          <a:bodyPr>
-            <a:normAutofit fontScale="92500"/>
-          </a:bodyPr>
-          <a:lstStyle/>
-          <a:p>
-            <a:pPr marL="0" indent="0">
-              <a:buNone/>
-            </a:pPr>
-            <a:r>
-              <a:rPr lang="es-CO" dirty="0" smtClean="0">
-                <a:latin typeface="+mj-lt"/>
-              </a:rPr>
-              <a:t>Características especificas XP:</a:t>
-            </a:r>
-          </a:p>
-          <a:p>
-            <a:pPr marL="514350" indent="-514350">
-              <a:buFont typeface="+mj-lt"/>
-              <a:buAutoNum type="arabicPeriod"/>
-            </a:pPr>
-            <a:r>
-              <a:rPr lang="es-CO" dirty="0" smtClean="0">
-                <a:latin typeface="+mj-lt"/>
-              </a:rPr>
-              <a:t>Se valora al </a:t>
-            </a:r>
-            <a:r>
-              <a:rPr lang="es-CO" dirty="0" smtClean="0">
-                <a:solidFill>
-                  <a:srgbClr val="C00000"/>
-                </a:solidFill>
-                <a:latin typeface="+mj-lt"/>
-              </a:rPr>
-              <a:t>individuo y las interacciones </a:t>
-            </a:r>
-            <a:r>
-              <a:rPr lang="es-CO" dirty="0" smtClean="0">
-                <a:latin typeface="+mj-lt"/>
-              </a:rPr>
-              <a:t>del equipo de desarrollo sobre el proceso y las herramientas. La gente es el principal factor de éxito de un proyecto de software.</a:t>
-            </a:r>
-          </a:p>
-          <a:p>
-            <a:pPr marL="514350" indent="-514350">
-              <a:buFont typeface="+mj-lt"/>
-              <a:buAutoNum type="arabicPeriod"/>
-            </a:pPr>
-            <a:r>
-              <a:rPr lang="es-CO" dirty="0" smtClean="0">
-                <a:latin typeface="+mj-lt"/>
-              </a:rPr>
-              <a:t>Desarrollar </a:t>
-            </a:r>
-            <a:r>
-              <a:rPr lang="es-CO" dirty="0" smtClean="0">
-                <a:solidFill>
-                  <a:srgbClr val="C00000"/>
-                </a:solidFill>
-                <a:latin typeface="+mj-lt"/>
-              </a:rPr>
-              <a:t>software que funciona </a:t>
-            </a:r>
-            <a:r>
-              <a:rPr lang="es-CO" dirty="0" smtClean="0">
-                <a:latin typeface="+mj-lt"/>
-              </a:rPr>
-              <a:t>mas que conseguir una buena documentación.</a:t>
-            </a:r>
-          </a:p>
-          <a:p>
-            <a:pPr marL="514350" indent="-514350">
-              <a:buFont typeface="+mj-lt"/>
-              <a:buAutoNum type="arabicPeriod"/>
-            </a:pPr>
-            <a:r>
-              <a:rPr lang="es-CO" dirty="0" smtClean="0">
-                <a:latin typeface="+mj-lt"/>
-              </a:rPr>
-              <a:t>La colaboración con el cliente. Se propone que exista una </a:t>
-            </a:r>
-            <a:r>
-              <a:rPr lang="es-CO" dirty="0" smtClean="0">
-                <a:solidFill>
-                  <a:srgbClr val="C00000"/>
-                </a:solidFill>
-                <a:latin typeface="+mj-lt"/>
-              </a:rPr>
-              <a:t>interacción constante </a:t>
-            </a:r>
-            <a:r>
-              <a:rPr lang="es-CO" dirty="0" smtClean="0">
-                <a:latin typeface="+mj-lt"/>
-              </a:rPr>
-              <a:t>ente el cliente y el equipo de desarrollo.</a:t>
-            </a:r>
-          </a:p>
-          <a:p>
-            <a:pPr marL="514350" indent="-514350">
-              <a:buFont typeface="+mj-lt"/>
-              <a:buAutoNum type="arabicPeriod"/>
-            </a:pPr>
-            <a:r>
-              <a:rPr lang="es-CO" dirty="0" smtClean="0">
-                <a:latin typeface="+mj-lt"/>
-              </a:rPr>
-              <a:t>Responder a los cambios. La </a:t>
-            </a:r>
-            <a:r>
-              <a:rPr lang="es-CO" dirty="0" smtClean="0">
-                <a:solidFill>
-                  <a:srgbClr val="C00000"/>
-                </a:solidFill>
-                <a:latin typeface="+mj-lt"/>
-              </a:rPr>
-              <a:t>habilidad de responder a los cambios </a:t>
-            </a:r>
-            <a:r>
-              <a:rPr lang="es-CO" dirty="0" smtClean="0">
-                <a:latin typeface="+mj-lt"/>
-              </a:rPr>
-              <a:t>que pueden surgir a lo largo del proyecto determina también el éxito o fracaso del mismo. La planificación no debe ser estricta sino flexible y abierta.</a:t>
-            </a:r>
-          </a:p>
-          <a:p>
-            <a:pPr marL="514350" indent="-514350">
-              <a:buFont typeface="+mj-lt"/>
-              <a:buAutoNum type="arabicPeriod"/>
-            </a:pPr>
-            <a:endParaRPr lang="es-CO" dirty="0" smtClean="0">
-              <a:latin typeface="+mj-lt"/>
-            </a:endParaRPr>
-          </a:p>
-          <a:p>
-            <a:pPr marL="0" indent="0">
-              <a:buNone/>
-            </a:pPr>
-            <a:endParaRPr lang="es-CO" dirty="0" smtClean="0">
-              <a:latin typeface="+mj-lt"/>
-            </a:endParaRPr>
-          </a:p>
-          <a:p>
-            <a:pPr marL="0" indent="0">
-              <a:buNone/>
-            </a:pPr>
-            <a:endParaRPr lang="fr-FR" dirty="0">
-              <a:latin typeface="+mj-lt"/>
-            </a:endParaRPr>
-          </a:p>
-        </p:txBody>
-      </p:sp>
-    </p:spTree>
-    <p:extLst>
-      <p:ext uri="{BB962C8B-B14F-4D97-AF65-F5344CB8AC3E}">
-        <p14:creationId xmlns:p14="http://schemas.microsoft.com/office/powerpoint/2010/main" val="422954533"/>
-      </p:ext>
-    </p:extLst>
-  </p:cSld>
-  <p:clrMapOvr>
-    <a:masterClrMapping/>
-  </p:clrMapOvr>
-  <p:timing>
-    <p:tnLst>
-      <p:par>
-        <p:cTn id="1" dur="indefinite" restart="never" nodeType="tmRoot"/>
-      </p:par>
-    </p:tnLst>
-  </p:timing>
-</p:sld>
-</file>
-
-<file path=ppt/slides/slide18.xml><?xml version="1.0" encoding="utf-8"?>
-<p:sld xmlns:a="http://schemas.openxmlformats.org/drawingml/2006/main" xmlns:r="http://schemas.openxmlformats.org/officeDocument/2006/relationships" xmlns:p="http://schemas.openxmlformats.org/presentationml/2006/main">
-  <p:cSld>
-    <p:spTree>
-      <p:nvGrpSpPr>
-        <p:cNvPr id="1" name=""/>
-        <p:cNvGrpSpPr/>
-        <p:nvPr/>
-      </p:nvGrpSpPr>
-      <p:grpSpPr>
-        <a:xfrm>
-          <a:off x="0" y="0"/>
-          <a:ext cx="0" cy="0"/>
-          <a:chOff x="0" y="0"/>
-          <a:chExt cx="0" cy="0"/>
-        </a:xfrm>
-      </p:grpSpPr>
       <p:pic>
         <p:nvPicPr>
           <p:cNvPr id="4" name="Content Placeholder 3"/>
@@ -11413,220 +11421,15 @@
         </p:blipFill>
         <p:spPr>
           <a:xfrm>
-            <a:off x="1701799" y="1073944"/>
-            <a:ext cx="8191387" cy="4463256"/>
+            <a:off x="2129155" y="1257300"/>
+            <a:ext cx="7751445" cy="4223544"/>
           </a:xfrm>
         </p:spPr>
       </p:pic>
     </p:spTree>
     <p:extLst>
       <p:ext uri="{BB962C8B-B14F-4D97-AF65-F5344CB8AC3E}">
-        <p14:creationId xmlns:p14="http://schemas.microsoft.com/office/powerpoint/2010/main" val="2251912984"/>
-      </p:ext>
-    </p:extLst>
-  </p:cSld>
-  <p:clrMapOvr>
-    <a:masterClrMapping/>
-  </p:clrMapOvr>
-  <p:timing>
-    <p:tnLst>
-      <p:par>
-        <p:cTn id="1" dur="indefinite" restart="never" nodeType="tmRoot"/>
-      </p:par>
-    </p:tnLst>
-  </p:timing>
-</p:sld>
-</file>
-
-<file path=ppt/slides/slide19.xml><?xml version="1.0" encoding="utf-8"?>
-<p:sld xmlns:a="http://schemas.openxmlformats.org/drawingml/2006/main" xmlns:r="http://schemas.openxmlformats.org/officeDocument/2006/relationships" xmlns:p="http://schemas.openxmlformats.org/presentationml/2006/main">
-  <p:cSld>
-    <p:spTree>
-      <p:nvGrpSpPr>
-        <p:cNvPr id="1" name=""/>
-        <p:cNvGrpSpPr/>
-        <p:nvPr/>
-      </p:nvGrpSpPr>
-      <p:grpSpPr>
-        <a:xfrm>
-          <a:off x="0" y="0"/>
-          <a:ext cx="0" cy="0"/>
-          <a:chOff x="0" y="0"/>
-          <a:chExt cx="0" cy="0"/>
-        </a:xfrm>
-      </p:grpSpPr>
-      <p:sp>
-        <p:nvSpPr>
-          <p:cNvPr id="4" name="Title 3"/>
-          <p:cNvSpPr>
-            <a:spLocks noGrp="1"/>
-          </p:cNvSpPr>
-          <p:nvPr>
-            <p:ph type="title"/>
-          </p:nvPr>
-        </p:nvSpPr>
-        <p:spPr/>
-        <p:txBody>
-          <a:bodyPr/>
-          <a:lstStyle/>
-          <a:p>
-            <a:pPr algn="ctr"/>
-            <a:r>
-              <a:rPr lang="es-CO" dirty="0" smtClean="0">
-                <a:solidFill>
-                  <a:srgbClr val="C00000"/>
-                </a:solidFill>
-                <a:latin typeface="Dekar" panose="02000000000000000000" pitchFamily="50" charset="0"/>
-              </a:rPr>
-              <a:t>Kanban</a:t>
-            </a:r>
-            <a:endParaRPr lang="fr-FR" dirty="0">
-              <a:solidFill>
-                <a:srgbClr val="C00000"/>
-              </a:solidFill>
-              <a:latin typeface="Dekar" panose="02000000000000000000" pitchFamily="50" charset="0"/>
-            </a:endParaRPr>
-          </a:p>
-        </p:txBody>
-      </p:sp>
-      <p:sp>
-        <p:nvSpPr>
-          <p:cNvPr id="6" name="Content Placeholder 5"/>
-          <p:cNvSpPr>
-            <a:spLocks noGrp="1"/>
-          </p:cNvSpPr>
-          <p:nvPr>
-            <p:ph idx="1"/>
-          </p:nvPr>
-        </p:nvSpPr>
-        <p:spPr>
-          <a:xfrm>
-            <a:off x="838200" y="1574800"/>
-            <a:ext cx="10515600" cy="4602163"/>
-          </a:xfrm>
-        </p:spPr>
-        <p:txBody>
-          <a:bodyPr>
-            <a:normAutofit/>
-          </a:bodyPr>
-          <a:lstStyle/>
-          <a:p>
-            <a:pPr marL="0" indent="0">
-              <a:buNone/>
-            </a:pPr>
-            <a:endParaRPr lang="es-CO" dirty="0" smtClean="0">
-              <a:latin typeface="+mj-lt"/>
-            </a:endParaRPr>
-          </a:p>
-          <a:p>
-            <a:pPr marL="0" indent="0" algn="ctr">
-              <a:lnSpc>
-                <a:spcPct val="100000"/>
-              </a:lnSpc>
-              <a:buNone/>
-            </a:pPr>
-            <a:r>
-              <a:rPr lang="es-CO" dirty="0" smtClean="0">
-                <a:solidFill>
-                  <a:srgbClr val="C00000"/>
-                </a:solidFill>
-                <a:latin typeface="+mj-lt"/>
-              </a:rPr>
-              <a:t>Kanban</a:t>
-            </a:r>
-            <a:r>
-              <a:rPr lang="es-CO" dirty="0" smtClean="0">
-                <a:latin typeface="+mj-lt"/>
-              </a:rPr>
-              <a:t> es una palabra japonesa que significa “tarjetas visuales”</a:t>
-            </a:r>
-          </a:p>
-          <a:p>
-            <a:pPr marL="0" indent="0" algn="ctr">
-              <a:lnSpc>
-                <a:spcPct val="100000"/>
-              </a:lnSpc>
-              <a:buNone/>
-            </a:pPr>
-            <a:r>
-              <a:rPr lang="es-CO" dirty="0" smtClean="0">
-                <a:latin typeface="+mj-lt"/>
-              </a:rPr>
-              <a:t> (kan: visual, ban: tarjeta).</a:t>
-            </a:r>
-          </a:p>
-          <a:p>
-            <a:pPr marL="0" indent="0" algn="ctr">
-              <a:buNone/>
-            </a:pPr>
-            <a:endParaRPr lang="es-CO" dirty="0">
-              <a:latin typeface="+mj-lt"/>
-            </a:endParaRPr>
-          </a:p>
-          <a:p>
-            <a:pPr marL="0" indent="0" algn="ctr">
-              <a:buNone/>
-            </a:pPr>
-            <a:r>
-              <a:rPr lang="es-CO" dirty="0" smtClean="0">
-                <a:latin typeface="+mj-lt"/>
-              </a:rPr>
-              <a:t>Esta técnica se creo en Toyota, y se utiliza para </a:t>
-            </a:r>
-            <a:r>
-              <a:rPr lang="es-CO" dirty="0" smtClean="0">
-                <a:solidFill>
-                  <a:srgbClr val="C00000"/>
-                </a:solidFill>
-                <a:latin typeface="+mj-lt"/>
-              </a:rPr>
-              <a:t>controlar el avance</a:t>
-            </a:r>
-          </a:p>
-          <a:p>
-            <a:pPr marL="0" indent="0" algn="ctr">
-              <a:buNone/>
-            </a:pPr>
-            <a:r>
-              <a:rPr lang="es-CO" dirty="0" smtClean="0">
-                <a:latin typeface="+mj-lt"/>
-              </a:rPr>
-              <a:t>del trabajo, en el contexto de una línea de producción.</a:t>
-            </a:r>
-          </a:p>
-          <a:p>
-            <a:pPr marL="0" indent="0" algn="ctr">
-              <a:buNone/>
-            </a:pPr>
-            <a:endParaRPr lang="es-CO" dirty="0">
-              <a:latin typeface="+mj-lt"/>
-            </a:endParaRPr>
-          </a:p>
-          <a:p>
-            <a:pPr marL="0" indent="0" algn="ctr">
-              <a:buNone/>
-            </a:pPr>
-            <a:r>
-              <a:rPr lang="es-CO" dirty="0" smtClean="0">
-                <a:latin typeface="+mj-lt"/>
-              </a:rPr>
-              <a:t>Actualmente se aplica a la gestión de proyectos de software</a:t>
-            </a:r>
-          </a:p>
-          <a:p>
-            <a:pPr marL="0" indent="0">
-              <a:buNone/>
-            </a:pPr>
-            <a:endParaRPr lang="fr-FR" dirty="0">
-              <a:latin typeface="+mj-lt"/>
-            </a:endParaRPr>
-          </a:p>
-        </p:txBody>
-      </p:sp>
-    </p:spTree>
-    <p:extLst>
-      <p:ext uri="{BB962C8B-B14F-4D97-AF65-F5344CB8AC3E}">
-        <p14:creationId xmlns:p14="http://schemas.microsoft.com/office/powerpoint/2010/main" val="3865795495"/>
+        <p14:creationId xmlns:p14="http://schemas.microsoft.com/office/powerpoint/2010/main" val="2711371013"/>
       </p:ext>
     </p:extLst>
   </p:cSld>
@@ -11771,7 +11574,22 @@
               <a:rPr lang="es-CO" dirty="0" smtClean="0">
                 <a:latin typeface="+mj-lt"/>
               </a:rPr>
-              <a:t>Aunque surgieron en el ámbito del desarrollo de software, también han sido tomas para otros tipos de industria.</a:t>
+              <a:t>Aunque surgieron en el ámbito del desarrollo de software, también han sido tomas para </a:t>
+            </a:r>
+            <a:r>
+              <a:rPr lang="es-CO" dirty="0" smtClean="0">
+                <a:solidFill>
+                  <a:srgbClr val="C00000"/>
+                </a:solidFill>
+                <a:latin typeface="+mj-lt"/>
+              </a:rPr>
+              <a:t>otros tipos de industria</a:t>
+            </a:r>
+            <a:r>
+              <a:rPr lang="es-CO" dirty="0" smtClean="0">
+                <a:latin typeface="+mj-lt"/>
+              </a:rPr>
+              <a:t>.</a:t>
             </a:r>
             <a:endParaRPr lang="fr-FR" dirty="0">
               <a:latin typeface="+mj-lt"/>
@@ -11799,65 +11617,6 @@
 </p:sld>
 </file>
 
-<file path=ppt/slides/slide20.xml><?xml version="1.0" encoding="utf-8"?>
-<p:sld xmlns:a="http://schemas.openxmlformats.org/drawingml/2006/main" xmlns:r="http://schemas.openxmlformats.org/officeDocument/2006/relationships" xmlns:p="http://schemas.openxmlformats.org/presentationml/2006/main">
-  <p:cSld>
-    <p:spTree>
-      <p:nvGrpSpPr>
-        <p:cNvPr id="1" name=""/>
-        <p:cNvGrpSpPr/>
-        <p:nvPr/>
-      </p:nvGrpSpPr>
-      <p:grpSpPr>
-        <a:xfrm>
-          <a:off x="0" y="0"/>
-          <a:ext cx="0" cy="0"/>
-          <a:chOff x="0" y="0"/>
-          <a:chExt cx="0" cy="0"/>
-        </a:xfrm>
-      </p:grpSpPr>
-      <p:pic>
-        <p:nvPicPr>
-          <p:cNvPr id="4" name="Content Placeholder 3"/>
-          <p:cNvPicPr>
-            <a:picLocks noGrp="1" noChangeAspect="1"/>
-          </p:cNvPicPr>
-          <p:nvPr>
-            <p:ph idx="1"/>
-          </p:nvPr>
-        </p:nvPicPr>
-        <p:blipFill>
-          <a:blip r:embed="rId2">
-            <a:extLst>
-              <a:ext uri="{28A0092B-C50C-407E-A947-70E740481C1C}">
-                <a14:useLocalDpi xmlns:a14="http://schemas.microsoft.com/office/drawing/2010/main" val="0"/>
-              </a:ext>
-            </a:extLst>
-          </a:blip>
-          <a:stretch>
-            <a:fillRect/>
-          </a:stretch>
-        </p:blipFill>
-        <p:spPr>
-          <a:xfrm>
-            <a:off x="2129155" y="1257300"/>
-            <a:ext cx="7751445" cy="4223544"/>
-          </a:xfrm>
-        </p:spPr>
-      </p:pic>
-    </p:spTree>
-    <p:extLst>
-      <p:ext uri="{BB962C8B-B14F-4D97-AF65-F5344CB8AC3E}">
-        <p14:creationId xmlns:p14="http://schemas.microsoft.com/office/powerpoint/2010/main" val="2711371013"/>
-      </p:ext>
-    </p:extLst>
-  </p:cSld>
-  <p:clrMapOvr>
-    <a:masterClrMapping/>
-  </p:clrMapOvr>
-</p:sld>
-</file>
-
 <file path=ppt/slides/slide3.xml><?xml version="1.0" encoding="utf-8"?>
 <p:sld xmlns:a="http://schemas.openxmlformats.org/drawingml/2006/main" xmlns:r="http://schemas.openxmlformats.org/officeDocument/2006/relationships" xmlns:p="http://schemas.openxmlformats.org/presentationml/2006/main">
   <p:cSld>
@@ -11901,6 +11660,14 @@
             <a:pPr marL="0" indent="0" algn="ctr">
               <a:buNone/>
             </a:pPr>
+            <a:endParaRPr lang="es-CO" dirty="0" smtClean="0">
+              <a:latin typeface="+mj-lt"/>
+            </a:endParaRPr>
+          </a:p>
+          <a:p>
+            <a:pPr marL="0" indent="0" algn="ctr">
+              <a:buNone/>
+            </a:pPr>
             <a:r>
               <a:rPr lang="es-CO" dirty="0" smtClean="0">
                 <a:latin typeface="+mj-lt"/>
@@ -11943,8 +11710,11 @@
               <a:rPr lang="es-CO" dirty="0" smtClean="0">
                 <a:latin typeface="+mj-lt"/>
               </a:rPr>
-              <a:t>desarrollo</a:t>
-            </a:r>
+              <a:t>desarrollo.</a:t>
+            </a:r>
+            <a:endParaRPr lang="es-CO" dirty="0" smtClean="0">
+              <a:latin typeface="+mj-lt"/>
+            </a:endParaRPr>
           </a:p>
           <a:p>
             <a:pPr marL="0" indent="0" algn="ctr">
@@ -11977,19 +11747,21 @@
               <a:rPr lang="es-CO" dirty="0" smtClean="0">
                 <a:latin typeface="+mj-lt"/>
               </a:rPr>
-              <a:t>del producto, </a:t>
-            </a:r>
-          </a:p>
-          <a:p>
-            <a:pPr marL="0" indent="0" algn="ctr">
-              <a:buNone/>
-            </a:pPr>
+              <a:t>funcionales</a:t>
+            </a:r>
+            <a:r>
+              <a:rPr lang="es-CO" dirty="0" smtClean="0"/>
+              <a:t> </a:t>
+            </a:r>
             <a:r>
               <a:rPr lang="es-CO" dirty="0" smtClean="0">
                 <a:latin typeface="+mj-lt"/>
               </a:rPr>
-              <a:t>pero funcionales del producto.</a:t>
-            </a:r>
+              <a:t>del producto. </a:t>
+            </a:r>
+            <a:endParaRPr lang="es-CO" dirty="0" smtClean="0">
+              <a:latin typeface="+mj-lt"/>
+            </a:endParaRPr>
           </a:p>
           <a:p>
             <a:pPr marL="0" indent="0" algn="ctr">
@@ -12098,6 +11870,13 @@
   <p:clrMapOvr>
     <a:masterClrMapping/>
   </p:clrMapOvr>
+  <p:timing>
+    <p:tnLst>
+      <p:par>
+        <p:cTn id="1" dur="indefinite" restart="never" nodeType="tmRoot"/>
+      </p:par>
+    </p:tnLst>
+  </p:timing>
 </p:sld>
 </file>
 
@@ -12141,10 +11920,10 @@
             <a:endParaRPr lang="es-CO" dirty="0" smtClean="0"/>
           </a:p>
           <a:p>
+            <a:endParaRPr lang="es-CO" dirty="0" smtClean="0"/>
+          </a:p>
+          <a:p>
             <a:endParaRPr lang="es-CO" dirty="0"/>
-          </a:p>
-          <a:p>
-            <a:endParaRPr lang="es-CO" dirty="0" smtClean="0"/>
           </a:p>
           <a:p>
             <a:pPr marL="0" indent="0">
@@ -12160,7 +11939,19 @@
               <a:rPr lang="es-CO" dirty="0" smtClean="0">
                 <a:latin typeface="+mj-lt"/>
               </a:rPr>
-              <a:t>Las metodologías agiles permiten rentabilizar las inversiones mas rápidamente.  Gracias a la realización de </a:t>
+              <a:t>Las metodologías agiles permiten rentabilizar las inversiones mas </a:t>
+            </a:r>
+            <a:r>
+              <a:rPr lang="es-CO" dirty="0" smtClean="0">
+                <a:latin typeface="+mj-lt"/>
+              </a:rPr>
+              <a:t>rápidamente gracias </a:t>
+            </a:r>
+            <a:r>
+              <a:rPr lang="es-CO" dirty="0" smtClean="0">
+                <a:latin typeface="+mj-lt"/>
+              </a:rPr>
+              <a:t>a la realización de </a:t>
             </a:r>
             <a:r>
               <a:rPr lang="es-CO" dirty="0" smtClean="0">
@@ -12175,7 +11966,31 @@
               <a:rPr lang="es-CO" dirty="0" smtClean="0">
                 <a:latin typeface="+mj-lt"/>
               </a:rPr>
-              <a:t>al cliente tendrá rápido acceso a aquellas funcionalidades que en verdad aportan valor acelerando el </a:t>
+              <a:t>al </a:t>
+            </a:r>
+            <a:r>
+              <a:rPr lang="es-CO" dirty="0" smtClean="0">
+                <a:latin typeface="+mj-lt"/>
+              </a:rPr>
+              <a:t>cliente teniendo </a:t>
+            </a:r>
+            <a:r>
+              <a:rPr lang="es-CO" dirty="0" smtClean="0">
+                <a:latin typeface="+mj-lt"/>
+              </a:rPr>
+              <a:t>rápido acceso a aquellas funcionalidades que en verdad aportan </a:t>
+            </a:r>
+            <a:r>
+              <a:rPr lang="es-CO" dirty="0" smtClean="0">
+                <a:latin typeface="+mj-lt"/>
+              </a:rPr>
+              <a:t>valor, </a:t>
+            </a:r>
+            <a:r>
+              <a:rPr lang="es-CO" dirty="0" smtClean="0">
+                <a:latin typeface="+mj-lt"/>
+              </a:rPr>
+              <a:t>acelerando el </a:t>
             </a:r>
             <a:r>
               <a:rPr lang="es-CO" dirty="0" smtClean="0">
@@ -12205,6 +12020,13 @@
   <p:clrMapOvr>
     <a:masterClrMapping/>
   </p:clrMapOvr>
+  <p:timing>
+    <p:tnLst>
+      <p:par>
+        <p:cTn id="1" dur="indefinite" restart="never" nodeType="tmRoot"/>
+      </p:par>
+    </p:tnLst>
+  </p:timing>
 </p:sld>
 </file>
 
@@ -12248,16 +12070,45 @@
             <a:endParaRPr lang="es-CO" dirty="0" smtClean="0"/>
           </a:p>
           <a:p>
-            <a:endParaRPr lang="es-CO" dirty="0"/>
-          </a:p>
-          <a:p>
-            <a:endParaRPr lang="es-CO" dirty="0" smtClean="0"/>
-          </a:p>
-          <a:p>
-            <a:pPr marL="0" indent="0">
+            <a:pPr marL="0" indent="0" algn="ctr">
               <a:buNone/>
             </a:pPr>
-            <a:endParaRPr lang="es-CO" dirty="0"/>
+            <a:r>
+              <a:rPr lang="es-CO" dirty="0" smtClean="0">
+                <a:latin typeface="+mj-lt"/>
+              </a:rPr>
+              <a:t>Para </a:t>
+            </a:r>
+            <a:r>
+              <a:rPr lang="es-CO" dirty="0" smtClean="0">
+                <a:latin typeface="+mj-lt"/>
+              </a:rPr>
+              <a:t>que una </a:t>
+            </a:r>
+            <a:r>
+              <a:rPr lang="es-CO" dirty="0" smtClean="0">
+                <a:solidFill>
+                  <a:srgbClr val="C00000"/>
+                </a:solidFill>
+                <a:latin typeface="+mj-lt"/>
+              </a:rPr>
+              <a:t>metodología</a:t>
+            </a:r>
+            <a:r>
+              <a:rPr lang="es-CO" dirty="0" smtClean="0">
+                <a:latin typeface="+mj-lt"/>
+              </a:rPr>
+              <a:t> pueda ser considerada </a:t>
+            </a:r>
+            <a:r>
+              <a:rPr lang="es-CO" dirty="0" smtClean="0">
+                <a:solidFill>
+                  <a:srgbClr val="C00000"/>
+                </a:solidFill>
+                <a:latin typeface="+mj-lt"/>
+              </a:rPr>
+              <a:t>ágil</a:t>
+            </a:r>
           </a:p>
           <a:p>
             <a:pPr marL="0" indent="0" algn="ctr">
@@ -12267,7 +12118,19 @@
               <a:rPr lang="es-CO" dirty="0" smtClean="0">
                 <a:latin typeface="+mj-lt"/>
               </a:rPr>
-              <a:t>Para que una </a:t>
+              <a:t>debe cumplir con los </a:t>
+            </a:r>
+            <a:r>
+              <a:rPr lang="es-CO" dirty="0" smtClean="0">
+                <a:latin typeface="+mj-lt"/>
+              </a:rPr>
+              <a:t>4 postulados </a:t>
+            </a:r>
+            <a:r>
+              <a:rPr lang="es-CO" dirty="0" smtClean="0">
+                <a:latin typeface="+mj-lt"/>
+              </a:rPr>
+              <a:t>del </a:t>
             </a:r>
             <a:r>
               <a:rPr lang="es-CO" dirty="0" smtClean="0">
@@ -12276,13 +12139,16 @@
                 </a:solidFill>
                 <a:latin typeface="+mj-lt"/>
               </a:rPr>
-              <a:t>metodología</a:t>
-            </a:r>
-            <a:r>
-              <a:rPr lang="es-CO" dirty="0" smtClean="0">
+              <a:t>manifiesto </a:t>
+            </a:r>
+            <a:r>
+              <a:rPr lang="es-CO" dirty="0">
+                <a:solidFill>
+                  <a:srgbClr val="C00000"/>
+                </a:solidFill>
                 <a:latin typeface="+mj-lt"/>
               </a:rPr>
-              <a:t> pueda ser considerada </a:t>
+              <a:t>á</a:t>
             </a:r>
             <a:r>
               <a:rPr lang="es-CO" dirty="0" smtClean="0">
@@ -12291,64 +12157,79 @@
                 </a:solidFill>
                 <a:latin typeface="+mj-lt"/>
               </a:rPr>
-              <a:t>ágil</a:t>
-            </a:r>
+              <a:t>gil </a:t>
+            </a:r>
+            <a:endParaRPr lang="es-CO" dirty="0" smtClean="0">
+              <a:solidFill>
+                <a:srgbClr val="C00000"/>
+              </a:solidFill>
+              <a:latin typeface="+mj-lt"/>
+            </a:endParaRPr>
           </a:p>
           <a:p>
             <a:pPr marL="0" indent="0" algn="ctr">
               <a:buNone/>
             </a:pPr>
-            <a:r>
-              <a:rPr lang="es-CO" dirty="0" smtClean="0">
-                <a:latin typeface="+mj-lt"/>
-              </a:rPr>
-              <a:t>debe cumplir con </a:t>
-            </a:r>
-            <a:r>
-              <a:rPr lang="es-CO" dirty="0" smtClean="0">
-                <a:latin typeface="+mj-lt"/>
-              </a:rPr>
-              <a:t>los 4 postulados</a:t>
-            </a:r>
-            <a:r>
-              <a:rPr lang="es-CO" baseline="30000" dirty="0" smtClean="0">
-                <a:latin typeface="+mj-lt"/>
-              </a:rPr>
-              <a:t>1</a:t>
-            </a:r>
-            <a:r>
-              <a:rPr lang="es-CO" dirty="0" smtClean="0">
-                <a:latin typeface="+mj-lt"/>
-              </a:rPr>
-              <a:t> del </a:t>
-            </a:r>
+            <a:endParaRPr lang="es-CO" dirty="0" smtClean="0">
+              <a:solidFill>
+                <a:srgbClr val="C00000"/>
+              </a:solidFill>
+              <a:latin typeface="+mj-lt"/>
+            </a:endParaRPr>
+          </a:p>
+          <a:p>
+            <a:pPr marL="0" indent="0" algn="ctr">
+              <a:buNone/>
+            </a:pPr>
+            <a:endParaRPr lang="es-CO" dirty="0">
+              <a:solidFill>
+                <a:srgbClr val="C00000"/>
+              </a:solidFill>
+              <a:latin typeface="+mj-lt"/>
+            </a:endParaRPr>
+          </a:p>
+          <a:p>
+            <a:pPr marL="0" indent="0" algn="ctr">
+              <a:buNone/>
+            </a:pPr>
             <a:r>
               <a:rPr lang="es-CO" dirty="0" smtClean="0">
                 <a:solidFill>
                   <a:srgbClr val="C00000"/>
                 </a:solidFill>
-                <a:latin typeface="+mj-lt"/>
-              </a:rPr>
-              <a:t>manifiesto </a:t>
+                <a:latin typeface="Dekar" panose="02000000000000000000" pitchFamily="50" charset="0"/>
+              </a:rPr>
+              <a:t>Pero, </a:t>
             </a:r>
             <a:r>
               <a:rPr lang="es-CO" dirty="0">
                 <a:solidFill>
                   <a:srgbClr val="C00000"/>
                 </a:solidFill>
-                <a:latin typeface="+mj-lt"/>
-              </a:rPr>
-              <a:t>á</a:t>
+                <a:latin typeface="Dekar" panose="02000000000000000000" pitchFamily="50" charset="0"/>
+              </a:rPr>
+              <a:t>que es el manifiesto </a:t>
             </a:r>
             <a:r>
               <a:rPr lang="es-CO" dirty="0" smtClean="0">
                 <a:solidFill>
                   <a:srgbClr val="C00000"/>
                 </a:solidFill>
-                <a:latin typeface="+mj-lt"/>
-              </a:rPr>
-              <a:t>gil </a:t>
-            </a:r>
+                <a:latin typeface="Dekar" panose="02000000000000000000" pitchFamily="50" charset="0"/>
+              </a:rPr>
+              <a:t>Ágil?</a:t>
+            </a:r>
+            <a:endParaRPr lang="fr-FR" dirty="0">
+              <a:solidFill>
+                <a:srgbClr val="C00000"/>
+              </a:solidFill>
+              <a:latin typeface="Dekar" panose="02000000000000000000" pitchFamily="50" charset="0"/>
+            </a:endParaRPr>
+          </a:p>
+          <a:p>
+            <a:pPr marL="0" indent="0" algn="ctr">
+              <a:buNone/>
+            </a:pPr>
             <a:endParaRPr lang="fr-FR" dirty="0">
               <a:solidFill>
                 <a:srgbClr val="C00000"/>
@@ -12418,6 +12299,35 @@
           </a:p>
         </p:txBody>
       </p:sp>
+      <p:pic>
+        <p:nvPicPr>
+          <p:cNvPr id="4" name="Picture 3"/>
+          <p:cNvPicPr>
+            <a:picLocks noChangeAspect="1"/>
+          </p:cNvPicPr>
+          <p:nvPr/>
+        </p:nvPicPr>
+        <p:blipFill rotWithShape="1">
+          <a:blip r:embed="rId3">
+            <a:extLst>
+              <a:ext uri="{28A0092B-C50C-407E-A947-70E740481C1C}">
+                <a14:useLocalDpi xmlns:a14="http://schemas.microsoft.com/office/drawing/2010/main" val="0"/>
+              </a:ext>
+            </a:extLst>
+          </a:blip>
+          <a:srcRect l="17611" t="6186" r="20040" b="6725"/>
+          <a:stretch/>
+        </p:blipFill>
+        <p:spPr>
+          <a:xfrm>
+            <a:off x="4743938" y="3704492"/>
+            <a:ext cx="2407139" cy="1891324"/>
+          </a:xfrm>
+          <a:prstGeom prst="rect">
+            <a:avLst/>
+          </a:prstGeom>
+        </p:spPr>
+      </p:pic>
     </p:spTree>
     <p:extLst>
       <p:ext uri="{BB962C8B-B14F-4D97-AF65-F5344CB8AC3E}">
@@ -12428,6 +12338,13 @@
   <p:clrMapOvr>
     <a:masterClrMapping/>
   </p:clrMapOvr>
+  <p:timing>
+    <p:tnLst>
+      <p:par>
+        <p:cTn id="1" dur="indefinite" restart="never" nodeType="tmRoot"/>
+      </p:par>
+    </p:tnLst>
+  </p:timing>
 </p:sld>
 </file>
 
@@ -12450,105 +12367,382 @@
       </p:grpSpPr>
       <p:sp>
         <p:nvSpPr>
-          <p:cNvPr id="3" name="Content Placeholder 2"/>
-          <p:cNvSpPr>
-            <a:spLocks noGrp="1"/>
-          </p:cNvSpPr>
-          <p:nvPr>
-            <p:ph idx="1"/>
-          </p:nvPr>
+          <p:cNvPr id="7" name="TextBox 6"/>
+          <p:cNvSpPr txBox="1"/>
+          <p:nvPr/>
         </p:nvSpPr>
         <p:spPr>
           <a:xfrm>
-            <a:off x="838200" y="667910"/>
-            <a:ext cx="10515600" cy="5509053"/>
+            <a:off x="4082335" y="502695"/>
+            <a:ext cx="3721100" cy="701731"/>
           </a:xfrm>
+          <a:prstGeom prst="rect">
+            <a:avLst/>
+          </a:prstGeom>
+          <a:noFill/>
         </p:spPr>
         <p:txBody>
-          <a:bodyPr>
-            <a:normAutofit/>
+          <a:bodyPr wrap="square" rtlCol="0">
+            <a:spAutoFit/>
           </a:bodyPr>
           <a:lstStyle/>
           <a:p>
-            <a:pPr marL="0" indent="0" algn="ctr">
-              <a:buNone/>
+            <a:pPr algn="ctr">
+              <a:lnSpc>
+                <a:spcPct val="90000"/>
+              </a:lnSpc>
+              <a:spcBef>
+                <a:spcPct val="0"/>
+              </a:spcBef>
             </a:pPr>
-            <a:endParaRPr lang="es-CO" sz="3600" dirty="0" smtClean="0">
+            <a:r>
+              <a:rPr lang="es-CO" sz="4400" dirty="0" smtClean="0">
+                <a:solidFill>
+                  <a:srgbClr val="C00000"/>
+                </a:solidFill>
+                <a:latin typeface="Dekar" panose="02000000000000000000" pitchFamily="50" charset="0"/>
+              </a:rPr>
+              <a:t>Manifiesto ágil</a:t>
+            </a:r>
+            <a:endParaRPr lang="fr-FR" sz="4400" dirty="0">
+              <a:solidFill>
+                <a:srgbClr val="C00000"/>
+              </a:solidFill>
+              <a:latin typeface="Dekar" panose="02000000000000000000" pitchFamily="50" charset="0"/>
+            </a:endParaRPr>
+          </a:p>
+        </p:txBody>
+      </p:sp>
+      <p:sp>
+        <p:nvSpPr>
+          <p:cNvPr id="8" name="TextBox 7"/>
+          <p:cNvSpPr txBox="1"/>
+          <p:nvPr/>
+        </p:nvSpPr>
+        <p:spPr>
+          <a:xfrm>
+            <a:off x="1524001" y="1378733"/>
+            <a:ext cx="8643504" cy="3046988"/>
+          </a:xfrm>
+          <a:prstGeom prst="rect">
+            <a:avLst/>
+          </a:prstGeom>
+          <a:noFill/>
+        </p:spPr>
+        <p:txBody>
+          <a:bodyPr wrap="square" rtlCol="0">
+            <a:spAutoFit/>
+          </a:bodyPr>
+          <a:lstStyle/>
+          <a:p>
+            <a:r>
+              <a:rPr lang="es-CO" sz="2600" dirty="0" smtClean="0">
+                <a:solidFill>
+                  <a:prstClr val="black"/>
+                </a:solidFill>
+              </a:rPr>
+              <a:t>Postulados:</a:t>
+            </a:r>
+          </a:p>
+          <a:p>
+            <a:endParaRPr lang="es-CO" sz="2600" dirty="0" smtClean="0">
+              <a:solidFill>
+                <a:prstClr val="black"/>
+              </a:solidFill>
+            </a:endParaRPr>
+          </a:p>
+          <a:p>
+            <a:pPr marL="914400" lvl="1" indent="-457200">
+              <a:buFont typeface="Wingdings" panose="05000000000000000000" pitchFamily="2" charset="2"/>
+              <a:buChar char="q"/>
+            </a:pPr>
+            <a:r>
+              <a:rPr lang="es-CO" sz="2000" dirty="0" smtClean="0">
+                <a:solidFill>
+                  <a:prstClr val="black"/>
+                </a:solidFill>
+              </a:rPr>
+              <a:t>  </a:t>
+            </a:r>
+            <a:r>
+              <a:rPr lang="es-CO" sz="2000" dirty="0" smtClean="0">
+                <a:solidFill>
+                  <a:srgbClr val="C00000"/>
+                </a:solidFill>
+              </a:rPr>
+              <a:t>Individuos e interacciones </a:t>
+            </a:r>
+            <a:r>
+              <a:rPr lang="es-CO" sz="2000" dirty="0" smtClean="0">
+                <a:solidFill>
+                  <a:prstClr val="black"/>
+                </a:solidFill>
+              </a:rPr>
+              <a:t>sobre procesos y herramientas</a:t>
+            </a:r>
+            <a:endParaRPr lang="es-CO" sz="2000" dirty="0">
+              <a:solidFill>
+                <a:prstClr val="black"/>
+              </a:solidFill>
+            </a:endParaRPr>
+          </a:p>
+          <a:p>
+            <a:pPr marL="914400" lvl="1" indent="-457200">
+              <a:buFont typeface="Wingdings" panose="05000000000000000000" pitchFamily="2" charset="2"/>
+              <a:buChar char="q"/>
+            </a:pPr>
+            <a:endParaRPr lang="es-CO" sz="2000" dirty="0">
+              <a:solidFill>
+                <a:prstClr val="black"/>
+              </a:solidFill>
+            </a:endParaRPr>
+          </a:p>
+          <a:p>
+            <a:pPr marL="914400" lvl="1" indent="-457200">
+              <a:buFont typeface="Wingdings" panose="05000000000000000000" pitchFamily="2" charset="2"/>
+              <a:buChar char="q"/>
+            </a:pPr>
+            <a:r>
+              <a:rPr lang="es-CO" sz="2000" dirty="0">
+                <a:solidFill>
+                  <a:prstClr val="black"/>
+                </a:solidFill>
+              </a:rPr>
+              <a:t>  </a:t>
+            </a:r>
+            <a:r>
+              <a:rPr lang="es-CO" sz="2000" dirty="0" smtClean="0">
+                <a:solidFill>
+                  <a:srgbClr val="C00000"/>
+                </a:solidFill>
+              </a:rPr>
+              <a:t>Software funcionando</a:t>
+            </a:r>
+            <a:r>
+              <a:rPr lang="es-CO" sz="2000" dirty="0" smtClean="0">
+                <a:solidFill>
+                  <a:prstClr val="black"/>
+                </a:solidFill>
+              </a:rPr>
+              <a:t> sobre documentación extensiva</a:t>
+            </a:r>
+            <a:endParaRPr lang="es-CO" sz="2000" dirty="0">
+              <a:solidFill>
+                <a:prstClr val="black"/>
+              </a:solidFill>
+            </a:endParaRPr>
+          </a:p>
+          <a:p>
+            <a:pPr marL="914400" lvl="1" indent="-457200">
+              <a:buFont typeface="Wingdings" panose="05000000000000000000" pitchFamily="2" charset="2"/>
+              <a:buChar char="q"/>
+            </a:pPr>
+            <a:endParaRPr lang="es-CO" sz="2000" dirty="0">
+              <a:solidFill>
+                <a:prstClr val="black"/>
+              </a:solidFill>
+            </a:endParaRPr>
+          </a:p>
+          <a:p>
+            <a:pPr marL="914400" lvl="1" indent="-457200">
+              <a:buFont typeface="Wingdings" panose="05000000000000000000" pitchFamily="2" charset="2"/>
+              <a:buChar char="q"/>
+            </a:pPr>
+            <a:r>
+              <a:rPr lang="es-CO" sz="2000" dirty="0">
+                <a:solidFill>
+                  <a:prstClr val="black"/>
+                </a:solidFill>
+              </a:rPr>
+              <a:t>  </a:t>
+            </a:r>
+            <a:r>
+              <a:rPr lang="es-CO" sz="2000" dirty="0" smtClean="0">
+                <a:solidFill>
+                  <a:srgbClr val="C00000"/>
+                </a:solidFill>
+              </a:rPr>
+              <a:t>Colaboración con el cliente </a:t>
+            </a:r>
+            <a:r>
+              <a:rPr lang="es-CO" sz="2000" dirty="0" smtClean="0">
+                <a:solidFill>
+                  <a:prstClr val="black"/>
+                </a:solidFill>
+              </a:rPr>
+              <a:t>sobre negociación contractual</a:t>
+            </a:r>
+            <a:endParaRPr lang="es-CO" sz="2000" dirty="0">
+              <a:solidFill>
+                <a:prstClr val="black"/>
+              </a:solidFill>
+            </a:endParaRPr>
+          </a:p>
+          <a:p>
+            <a:pPr marL="914400" lvl="1" indent="-457200">
+              <a:buFont typeface="Wingdings" panose="05000000000000000000" pitchFamily="2" charset="2"/>
+              <a:buChar char="q"/>
+            </a:pPr>
+            <a:endParaRPr lang="es-CO" sz="2000" dirty="0">
+              <a:solidFill>
+                <a:prstClr val="black"/>
+              </a:solidFill>
+            </a:endParaRPr>
+          </a:p>
+          <a:p>
+            <a:pPr marL="914400" lvl="1" indent="-457200">
+              <a:buFont typeface="Wingdings" panose="05000000000000000000" pitchFamily="2" charset="2"/>
+              <a:buChar char="q"/>
+            </a:pPr>
+            <a:r>
+              <a:rPr lang="es-CO" sz="2000" dirty="0">
+                <a:solidFill>
+                  <a:prstClr val="black"/>
+                </a:solidFill>
+              </a:rPr>
+              <a:t>  </a:t>
+            </a:r>
+            <a:r>
+              <a:rPr lang="es-CO" sz="2000" dirty="0" smtClean="0">
+                <a:solidFill>
+                  <a:srgbClr val="C00000"/>
+                </a:solidFill>
+              </a:rPr>
+              <a:t>Respuesta ante el cambio </a:t>
+            </a:r>
+            <a:r>
+              <a:rPr lang="es-CO" sz="2000" dirty="0" smtClean="0">
+                <a:solidFill>
+                  <a:prstClr val="black"/>
+                </a:solidFill>
+              </a:rPr>
+              <a:t>sobre seguir un plan</a:t>
+            </a:r>
+            <a:endParaRPr lang="es-CO" sz="2000" dirty="0">
+              <a:solidFill>
+                <a:prstClr val="black"/>
+              </a:solidFill>
+            </a:endParaRPr>
+          </a:p>
+        </p:txBody>
+      </p:sp>
+      <p:sp>
+        <p:nvSpPr>
+          <p:cNvPr id="3" name="TextBox 2"/>
+          <p:cNvSpPr txBox="1"/>
+          <p:nvPr/>
+        </p:nvSpPr>
+        <p:spPr>
+          <a:xfrm>
+            <a:off x="777632" y="4975537"/>
+            <a:ext cx="10402276" cy="830997"/>
+          </a:xfrm>
+          <a:prstGeom prst="rect">
+            <a:avLst/>
+          </a:prstGeom>
+          <a:noFill/>
+        </p:spPr>
+        <p:txBody>
+          <a:bodyPr wrap="square" rtlCol="0">
+            <a:spAutoFit/>
+          </a:bodyPr>
+          <a:lstStyle/>
+          <a:p>
+            <a:pPr algn="ctr"/>
+            <a:r>
+              <a:rPr lang="es-CO" sz="2400" dirty="0" smtClean="0"/>
+              <a:t>Aunque valoramos los elementos de la derecha, </a:t>
+            </a:r>
+          </a:p>
+          <a:p>
+            <a:pPr algn="ctr"/>
+            <a:r>
+              <a:rPr lang="es-CO" sz="2400" dirty="0" smtClean="0"/>
+              <a:t>valoramos más los de la </a:t>
+            </a:r>
+            <a:r>
+              <a:rPr lang="es-CO" sz="2400" dirty="0" smtClean="0">
+                <a:solidFill>
+                  <a:srgbClr val="C00000"/>
+                </a:solidFill>
+              </a:rPr>
+              <a:t>izquierda</a:t>
+            </a:r>
+            <a:endParaRPr lang="fr-FR" sz="2400" dirty="0">
               <a:solidFill>
                 <a:srgbClr val="C00000"/>
               </a:solidFill>
             </a:endParaRPr>
           </a:p>
-          <a:p>
-            <a:pPr marL="0" indent="0" algn="ctr">
-              <a:buNone/>
-            </a:pPr>
-            <a:endParaRPr lang="es-CO" sz="3600" dirty="0">
+        </p:txBody>
+      </p:sp>
+      <p:sp>
+        <p:nvSpPr>
+          <p:cNvPr id="4" name="Footer Placeholder 3"/>
+          <p:cNvSpPr>
+            <a:spLocks noGrp="1"/>
+          </p:cNvSpPr>
+          <p:nvPr>
+            <p:ph type="ftr" sz="quarter" idx="11"/>
+          </p:nvPr>
+        </p:nvSpPr>
+        <p:spPr>
+          <a:xfrm>
+            <a:off x="687755" y="6356350"/>
+            <a:ext cx="10582030" cy="365125"/>
+          </a:xfrm>
+        </p:spPr>
+        <p:txBody>
+          <a:bodyPr/>
+          <a:lstStyle/>
+          <a:p>
+            <a:r>
+              <a:rPr lang="es-CO" dirty="0">
+                <a:solidFill>
+                  <a:prstClr val="black">
+                    <a:tint val="75000"/>
+                  </a:prstClr>
+                </a:solidFill>
+              </a:rPr>
+              <a:t>*</a:t>
+            </a:r>
+            <a:r>
+              <a:rPr lang="es-CO" dirty="0" smtClean="0">
+                <a:solidFill>
+                  <a:prstClr val="black">
+                    <a:tint val="75000"/>
+                  </a:prstClr>
+                </a:solidFill>
+              </a:rPr>
+              <a:t> Manifiesto: Escrito breve que un grupo o movimiento político, religioso, filosófico, artístico o literario dirige a la opinión pública para exponer y defender su programa de acción considerado revolucionario o novedoso con respecto a lo establecido anteriormente.</a:t>
+            </a:r>
+            <a:endParaRPr lang="fr-FR" dirty="0">
               <a:solidFill>
-                <a:srgbClr val="C00000"/>
+                <a:prstClr val="black">
+                  <a:tint val="75000"/>
+                </a:prstClr>
               </a:solidFill>
             </a:endParaRPr>
           </a:p>
-          <a:p>
-            <a:pPr marL="0" indent="0" algn="ctr">
-              <a:buNone/>
-            </a:pPr>
-            <a:r>
-              <a:rPr lang="es-CO" sz="3600" dirty="0" smtClean="0">
-                <a:solidFill>
-                  <a:srgbClr val="C00000"/>
-                </a:solidFill>
-              </a:rPr>
-              <a:t>Que es el manifiesto Ágil</a:t>
-            </a:r>
-            <a:endParaRPr lang="fr-FR" sz="3600" dirty="0">
-              <a:solidFill>
-                <a:srgbClr val="C00000"/>
-              </a:solidFill>
-            </a:endParaRPr>
-          </a:p>
-        </p:txBody>
-      </p:sp>
-      <p:pic>
-        <p:nvPicPr>
-          <p:cNvPr id="5" name="Picture 4"/>
-          <p:cNvPicPr>
-            <a:picLocks noChangeAspect="1"/>
-          </p:cNvPicPr>
-          <p:nvPr/>
-        </p:nvPicPr>
-        <p:blipFill>
-          <a:blip r:embed="rId2">
-            <a:extLst>
-              <a:ext uri="{28A0092B-C50C-407E-A947-70E740481C1C}">
-                <a14:useLocalDpi xmlns:a14="http://schemas.microsoft.com/office/drawing/2010/main" val="0"/>
-              </a:ext>
-            </a:extLst>
-          </a:blip>
-          <a:stretch>
-            <a:fillRect/>
-          </a:stretch>
-        </p:blipFill>
-        <p:spPr>
-          <a:xfrm>
-            <a:off x="4165600" y="2851150"/>
-            <a:ext cx="3860800" cy="2171700"/>
-          </a:xfrm>
-          <a:prstGeom prst="rect">
-            <a:avLst/>
-          </a:prstGeom>
-        </p:spPr>
-      </p:pic>
+        </p:txBody>
+      </p:sp>
     </p:spTree>
     <p:extLst>
       <p:ext uri="{BB962C8B-B14F-4D97-AF65-F5344CB8AC3E}">
-        <p14:creationId xmlns:p14="http://schemas.microsoft.com/office/powerpoint/2010/main" val="1171886114"/>
+        <p14:creationId xmlns:p14="http://schemas.microsoft.com/office/powerpoint/2010/main" val="2093074493"/>
       </p:ext>
     </p:extLst>
   </p:cSld>
   <p:clrMapOvr>
     <a:masterClrMapping/>
   </p:clrMapOvr>
+  <p:timing>
+    <p:tnLst>
+      <p:par>
+        <p:cTn id="1" dur="indefinite" restart="never" nodeType="tmRoot"/>
+      </p:par>
+    </p:tnLst>
+  </p:timing>
 </p:sld>
 </file>
 
@@ -12571,44 +12765,39 @@
       </p:grpSpPr>
       <p:sp>
         <p:nvSpPr>
-          <p:cNvPr id="7" name="TextBox 6"/>
-          <p:cNvSpPr txBox="1"/>
-          <p:nvPr/>
-        </p:nvSpPr>
-        <p:spPr>
-          <a:xfrm>
-            <a:off x="4082335" y="502695"/>
-            <a:ext cx="3721100" cy="701731"/>
-          </a:xfrm>
-          <a:prstGeom prst="rect">
-            <a:avLst/>
-          </a:prstGeom>
-          <a:noFill/>
-        </p:spPr>
-        <p:txBody>
-          <a:bodyPr wrap="square" rtlCol="0">
-            <a:spAutoFit/>
-          </a:bodyPr>
-          <a:lstStyle/>
-          <a:p>
-            <a:pPr algn="ctr">
-              <a:lnSpc>
-                <a:spcPct val="90000"/>
-              </a:lnSpc>
-              <a:spcBef>
-                <a:spcPct val="0"/>
-              </a:spcBef>
-            </a:pPr>
-            <a:r>
-              <a:rPr lang="es-CO" sz="4400" dirty="0" smtClean="0">
+          <p:cNvPr id="4" name="Title 3"/>
+          <p:cNvSpPr>
+            <a:spLocks noGrp="1"/>
+          </p:cNvSpPr>
+          <p:nvPr>
+            <p:ph type="title"/>
+          </p:nvPr>
+        </p:nvSpPr>
+        <p:spPr/>
+        <p:txBody>
+          <a:bodyPr/>
+          <a:lstStyle/>
+          <a:p>
+            <a:pPr algn="ctr"/>
+            <a:r>
+              <a:rPr lang="es-CO" dirty="0" smtClean="0">
                 <a:solidFill>
                   <a:srgbClr val="C00000"/>
                 </a:solidFill>
                 <a:latin typeface="Dekar" panose="02000000000000000000" pitchFamily="50" charset="0"/>
               </a:rPr>
-              <a:t>Manifiesto ágil</a:t>
-            </a:r>
-            <a:endParaRPr lang="fr-FR" sz="4400" dirty="0">
+              <a:t>Principales metodologías </a:t>
+            </a:r>
+            <a:r>
+              <a:rPr lang="es-CO" dirty="0" smtClean="0">
+                <a:solidFill>
+                  <a:srgbClr val="C00000"/>
+                </a:solidFill>
+                <a:latin typeface="Dekar" panose="02000000000000000000" pitchFamily="50" charset="0"/>
+              </a:rPr>
+              <a:t>ágiles</a:t>
+            </a:r>
+            <a:endParaRPr lang="fr-FR" dirty="0">
               <a:solidFill>
                 <a:srgbClr val="C00000"/>
               </a:solidFill>
@@ -12619,281 +12808,118 @@
       </p:sp>
       <p:sp>
         <p:nvSpPr>
-          <p:cNvPr id="8" name="TextBox 7"/>
-          <p:cNvSpPr txBox="1"/>
-          <p:nvPr/>
-        </p:nvSpPr>
-        <p:spPr>
-          <a:xfrm>
-            <a:off x="1524001" y="1668243"/>
-            <a:ext cx="8643504" cy="2893100"/>
-          </a:xfrm>
-          <a:prstGeom prst="rect">
-            <a:avLst/>
-          </a:prstGeom>
-          <a:noFill/>
-        </p:spPr>
-        <p:txBody>
-          <a:bodyPr wrap="square" rtlCol="0">
-            <a:spAutoFit/>
-          </a:bodyPr>
-          <a:lstStyle/>
-          <a:p>
-            <a:pPr marL="457200" indent="-457200">
-              <a:buFont typeface="Wingdings" panose="05000000000000000000" pitchFamily="2" charset="2"/>
-              <a:buChar char="q"/>
+          <p:cNvPr id="5" name="Content Placeholder 4"/>
+          <p:cNvSpPr>
+            <a:spLocks noGrp="1"/>
+          </p:cNvSpPr>
+          <p:nvPr>
+            <p:ph idx="1"/>
+          </p:nvPr>
+        </p:nvSpPr>
+        <p:spPr/>
+        <p:txBody>
+          <a:bodyPr/>
+          <a:lstStyle/>
+          <a:p>
+            <a:pPr marL="0" indent="0">
+              <a:buNone/>
             </a:pPr>
             <a:r>
-              <a:rPr lang="es-CO" sz="2600" dirty="0">
-                <a:solidFill>
-                  <a:prstClr val="black"/>
-                </a:solidFill>
-              </a:rPr>
-              <a:t>  </a:t>
-            </a:r>
-            <a:r>
-              <a:rPr lang="es-CO" sz="2600" dirty="0" smtClean="0">
+              <a:rPr lang="es-CO" dirty="0" smtClean="0">
                 <a:solidFill>
                   <a:srgbClr val="C00000"/>
                 </a:solidFill>
-              </a:rPr>
-              <a:t>Individuos e interacciones </a:t>
-            </a:r>
-            <a:r>
-              <a:rPr lang="es-CO" sz="2600" dirty="0" smtClean="0">
-                <a:solidFill>
-                  <a:prstClr val="black"/>
-                </a:solidFill>
-              </a:rPr>
-              <a:t>sobre procesos y herramientas</a:t>
-            </a:r>
-            <a:endParaRPr lang="es-CO" sz="2600" dirty="0">
-              <a:solidFill>
-                <a:prstClr val="black"/>
-              </a:solidFill>
+                <a:latin typeface="+mj-lt"/>
+              </a:rPr>
+              <a:t>SCRUM</a:t>
+            </a:r>
+            <a:r>
+              <a:rPr lang="es-CO" dirty="0" smtClean="0">
+                <a:latin typeface="+mj-lt"/>
+              </a:rPr>
+              <a:t>. Marco de trabajo que proporciona una serie de herramientas y roles para, de una forma iterativa, poder ver el progreso y los resultados de un </a:t>
+            </a:r>
+            <a:r>
+              <a:rPr lang="es-CO" dirty="0" smtClean="0">
+                <a:latin typeface="+mj-lt"/>
+              </a:rPr>
+              <a:t>proyecto.</a:t>
+            </a:r>
+            <a:endParaRPr lang="es-CO" dirty="0" smtClean="0">
+              <a:latin typeface="+mj-lt"/>
             </a:endParaRPr>
           </a:p>
           <a:p>
-            <a:pPr marL="457200" indent="-457200">
-              <a:buFont typeface="Wingdings" panose="05000000000000000000" pitchFamily="2" charset="2"/>
-              <a:buChar char="q"/>
+            <a:pPr marL="0" indent="0" algn="ctr">
+              <a:buNone/>
             </a:pPr>
-            <a:endParaRPr lang="es-CO" sz="2600" dirty="0">
-              <a:solidFill>
-                <a:prstClr val="black"/>
-              </a:solidFill>
+            <a:endParaRPr lang="es-CO" dirty="0">
+              <a:latin typeface="+mj-lt"/>
             </a:endParaRPr>
           </a:p>
           <a:p>
-            <a:pPr marL="457200" indent="-457200">
-              <a:buFont typeface="Wingdings" panose="05000000000000000000" pitchFamily="2" charset="2"/>
-              <a:buChar char="q"/>
+            <a:pPr marL="0" indent="0">
+              <a:buNone/>
             </a:pPr>
             <a:r>
-              <a:rPr lang="es-CO" sz="2600" dirty="0">
-                <a:solidFill>
-                  <a:prstClr val="black"/>
-                </a:solidFill>
-              </a:rPr>
-              <a:t>  </a:t>
-            </a:r>
-            <a:r>
-              <a:rPr lang="es-CO" sz="2600" dirty="0" smtClean="0">
+              <a:rPr lang="es-CO" dirty="0" smtClean="0">
                 <a:solidFill>
                   <a:srgbClr val="C00000"/>
                 </a:solidFill>
-              </a:rPr>
-              <a:t>Software funcionando</a:t>
-            </a:r>
-            <a:r>
-              <a:rPr lang="es-CO" sz="2600" dirty="0" smtClean="0">
-                <a:solidFill>
-                  <a:prstClr val="black"/>
-                </a:solidFill>
-              </a:rPr>
-              <a:t> sobre documentación extensiva</a:t>
-            </a:r>
-            <a:endParaRPr lang="es-CO" sz="2600" dirty="0">
-              <a:solidFill>
-                <a:prstClr val="black"/>
-              </a:solidFill>
-            </a:endParaRPr>
-          </a:p>
-          <a:p>
-            <a:pPr marL="457200" indent="-457200">
-              <a:buFont typeface="Wingdings" panose="05000000000000000000" pitchFamily="2" charset="2"/>
-              <a:buChar char="q"/>
-            </a:pPr>
-            <a:endParaRPr lang="es-CO" sz="2600" dirty="0">
-              <a:solidFill>
-                <a:prstClr val="black"/>
-              </a:solidFill>
-            </a:endParaRPr>
-          </a:p>
-          <a:p>
-            <a:pPr marL="457200" indent="-457200">
-              <a:buFont typeface="Wingdings" panose="05000000000000000000" pitchFamily="2" charset="2"/>
-              <a:buChar char="q"/>
-            </a:pPr>
-            <a:r>
-              <a:rPr lang="es-CO" sz="2600" dirty="0">
-                <a:solidFill>
-                  <a:prstClr val="black"/>
-                </a:solidFill>
-              </a:rPr>
-              <a:t>  </a:t>
-            </a:r>
-            <a:r>
-              <a:rPr lang="es-CO" sz="2600" dirty="0" smtClean="0">
-                <a:solidFill>
-                  <a:srgbClr val="C00000"/>
-                </a:solidFill>
-              </a:rPr>
-              <a:t>Colaboración con el cliente </a:t>
-            </a:r>
-            <a:r>
-              <a:rPr lang="es-CO" sz="2600" dirty="0" smtClean="0">
-                <a:solidFill>
-                  <a:prstClr val="black"/>
-                </a:solidFill>
-              </a:rPr>
-              <a:t>sobre negociación contractual</a:t>
-            </a:r>
-            <a:endParaRPr lang="es-CO" sz="2600" dirty="0">
-              <a:solidFill>
-                <a:prstClr val="black"/>
-              </a:solidFill>
-            </a:endParaRPr>
-          </a:p>
-          <a:p>
-            <a:pPr marL="457200" indent="-457200">
-              <a:buFont typeface="Wingdings" panose="05000000000000000000" pitchFamily="2" charset="2"/>
-              <a:buChar char="q"/>
-            </a:pPr>
-            <a:endParaRPr lang="es-CO" sz="2600" dirty="0">
-              <a:solidFill>
-                <a:prstClr val="black"/>
-              </a:solidFill>
-            </a:endParaRPr>
-          </a:p>
-          <a:p>
-            <a:pPr marL="457200" indent="-457200">
-              <a:buFont typeface="Wingdings" panose="05000000000000000000" pitchFamily="2" charset="2"/>
-              <a:buChar char="q"/>
-            </a:pPr>
-            <a:r>
-              <a:rPr lang="es-CO" sz="2600" dirty="0">
-                <a:solidFill>
-                  <a:prstClr val="black"/>
-                </a:solidFill>
-              </a:rPr>
-              <a:t>  </a:t>
-            </a:r>
-            <a:r>
-              <a:rPr lang="es-CO" sz="2600" dirty="0" smtClean="0">
-                <a:solidFill>
-                  <a:srgbClr val="C00000"/>
-                </a:solidFill>
-              </a:rPr>
-              <a:t>Respuesta ante el cambio </a:t>
-            </a:r>
-            <a:r>
-              <a:rPr lang="es-CO" sz="2600" dirty="0" smtClean="0">
-                <a:solidFill>
-                  <a:prstClr val="black"/>
-                </a:solidFill>
-              </a:rPr>
-              <a:t>sobre seguir un plan</a:t>
-            </a:r>
-            <a:endParaRPr lang="es-CO" sz="2600" dirty="0">
-              <a:solidFill>
-                <a:prstClr val="black"/>
-              </a:solidFill>
-            </a:endParaRPr>
-          </a:p>
-        </p:txBody>
-      </p:sp>
-      <p:pic>
-        <p:nvPicPr>
-          <p:cNvPr id="2" name="Picture 1"/>
-          <p:cNvPicPr>
-            <a:picLocks noChangeAspect="1"/>
-          </p:cNvPicPr>
-          <p:nvPr/>
-        </p:nvPicPr>
-        <p:blipFill>
-          <a:blip r:embed="rId2">
-            <a:extLst>
-              <a:ext uri="{28A0092B-C50C-407E-A947-70E740481C1C}">
-                <a14:useLocalDpi xmlns:a14="http://schemas.microsoft.com/office/drawing/2010/main" val="0"/>
-              </a:ext>
-            </a:extLst>
-          </a:blip>
-          <a:stretch>
-            <a:fillRect/>
-          </a:stretch>
-        </p:blipFill>
-        <p:spPr>
-          <a:xfrm>
-            <a:off x="866060" y="4821000"/>
-            <a:ext cx="2169240" cy="1631268"/>
-          </a:xfrm>
-          <a:prstGeom prst="rect">
-            <a:avLst/>
-          </a:prstGeom>
-        </p:spPr>
-      </p:pic>
-      <p:sp>
-        <p:nvSpPr>
-          <p:cNvPr id="3" name="TextBox 2"/>
-          <p:cNvSpPr txBox="1"/>
-          <p:nvPr/>
-        </p:nvSpPr>
-        <p:spPr>
-          <a:xfrm>
-            <a:off x="1274659" y="5025160"/>
-            <a:ext cx="10402276" cy="830997"/>
-          </a:xfrm>
-          <a:prstGeom prst="rect">
-            <a:avLst/>
-          </a:prstGeom>
-          <a:noFill/>
-        </p:spPr>
-        <p:txBody>
-          <a:bodyPr wrap="square" rtlCol="0">
-            <a:spAutoFit/>
-          </a:bodyPr>
-          <a:lstStyle/>
-          <a:p>
-            <a:pPr algn="ctr"/>
-            <a:r>
-              <a:rPr lang="es-CO" sz="2400" dirty="0" smtClean="0"/>
-              <a:t>Aunque valoramos los elementos de la derecha, </a:t>
-            </a:r>
-            <a:endParaRPr lang="es-CO" sz="2400" dirty="0" smtClean="0"/>
-          </a:p>
-          <a:p>
-            <a:pPr algn="ctr"/>
-            <a:r>
-              <a:rPr lang="es-CO" sz="2400" dirty="0" smtClean="0"/>
-              <a:t>valoramos </a:t>
-            </a:r>
-            <a:r>
-              <a:rPr lang="es-CO" sz="2400" dirty="0" smtClean="0"/>
-              <a:t>más los de la </a:t>
-            </a:r>
-            <a:r>
-              <a:rPr lang="es-CO" sz="2400" dirty="0" smtClean="0">
-                <a:solidFill>
-                  <a:srgbClr val="C00000"/>
-                </a:solidFill>
-              </a:rPr>
-              <a:t>izquierda</a:t>
-            </a:r>
-            <a:endParaRPr lang="fr-FR" sz="2400" dirty="0">
-              <a:solidFill>
-                <a:srgbClr val="C00000"/>
-              </a:solidFill>
+                <a:latin typeface="+mj-lt"/>
+              </a:rPr>
+              <a:t>KANBAN</a:t>
+            </a:r>
+            <a:r>
+              <a:rPr lang="es-CO" dirty="0" smtClean="0">
+                <a:latin typeface="+mj-lt"/>
+              </a:rPr>
+              <a:t>. Se basa en una idea simple. El trabajo en curso (</a:t>
+            </a:r>
+            <a:r>
+              <a:rPr lang="es-CO" i="1" dirty="0" err="1" smtClean="0">
+                <a:latin typeface="+mj-lt"/>
+              </a:rPr>
+              <a:t>work</a:t>
+            </a:r>
+            <a:r>
+              <a:rPr lang="es-CO" i="1" dirty="0" smtClean="0">
+                <a:latin typeface="+mj-lt"/>
+              </a:rPr>
+              <a:t> in </a:t>
+            </a:r>
+            <a:r>
+              <a:rPr lang="es-CO" i="1" dirty="0" err="1" smtClean="0">
+                <a:latin typeface="+mj-lt"/>
+              </a:rPr>
+              <a:t>progress</a:t>
+            </a:r>
+            <a:r>
+              <a:rPr lang="es-CO" dirty="0" smtClean="0">
+                <a:latin typeface="+mj-lt"/>
+              </a:rPr>
+              <a:t>, </a:t>
+            </a:r>
+            <a:r>
+              <a:rPr lang="es-CO" dirty="0" err="1" smtClean="0">
+                <a:latin typeface="+mj-lt"/>
+              </a:rPr>
+              <a:t>wip</a:t>
+            </a:r>
+            <a:r>
+              <a:rPr lang="es-CO" dirty="0" smtClean="0">
+                <a:latin typeface="+mj-lt"/>
+              </a:rPr>
+              <a:t>) debería limitarse y solo se debe empezar con algo nuevo cuando un bloque de trabajo anterior haya sido entregado o ha pasado a otra función </a:t>
+            </a:r>
+            <a:r>
+              <a:rPr lang="es-CO" dirty="0" smtClean="0">
+                <a:latin typeface="+mj-lt"/>
+              </a:rPr>
+              <a:t>posterior.</a:t>
+            </a:r>
+            <a:endParaRPr lang="fr-FR" dirty="0">
+              <a:latin typeface="+mj-lt"/>
             </a:endParaRPr>
           </a:p>
         </p:txBody>
@@ -12901,7 +12927,7 @@
     </p:spTree>
     <p:extLst>
       <p:ext uri="{BB962C8B-B14F-4D97-AF65-F5344CB8AC3E}">
-        <p14:creationId xmlns:p14="http://schemas.microsoft.com/office/powerpoint/2010/main" val="2093074493"/>
+        <p14:creationId xmlns:p14="http://schemas.microsoft.com/office/powerpoint/2010/main" val="4151194447"/>
       </p:ext>
     </p:extLst>
   </p:cSld>
@@ -12937,170 +12963,118 @@
       </p:grpSpPr>
       <p:sp>
         <p:nvSpPr>
-          <p:cNvPr id="3" name="Content Placeholder 2"/>
-          <p:cNvSpPr>
-            <a:spLocks noGrp="1"/>
-          </p:cNvSpPr>
-          <p:nvPr>
-            <p:ph idx="1"/>
-          </p:nvPr>
-        </p:nvSpPr>
-        <p:spPr>
-          <a:xfrm>
-            <a:off x="838200" y="365125"/>
-            <a:ext cx="10515600" cy="5811838"/>
-          </a:xfrm>
-        </p:spPr>
-        <p:txBody>
-          <a:bodyPr/>
-          <a:lstStyle/>
-          <a:p>
-            <a:endParaRPr lang="es-CO" dirty="0" smtClean="0"/>
-          </a:p>
-          <a:p>
-            <a:endParaRPr lang="es-CO" dirty="0"/>
-          </a:p>
-          <a:p>
-            <a:pPr marL="0" indent="0">
-              <a:buNone/>
-            </a:pPr>
-            <a:endParaRPr lang="es-CO" dirty="0" smtClean="0"/>
-          </a:p>
-          <a:p>
-            <a:pPr marL="0" indent="0">
-              <a:buNone/>
-            </a:pPr>
-            <a:endParaRPr lang="es-CO" dirty="0"/>
-          </a:p>
-          <a:p>
-            <a:pPr marL="0" indent="0" algn="ctr">
-              <a:lnSpc>
-                <a:spcPct val="100000"/>
-              </a:lnSpc>
-              <a:buNone/>
-            </a:pPr>
-            <a:r>
-              <a:rPr lang="es-CO" dirty="0" smtClean="0">
-                <a:latin typeface="+mj-lt"/>
-              </a:rPr>
-              <a:t>El </a:t>
-            </a:r>
+          <p:cNvPr id="4" name="Title 3"/>
+          <p:cNvSpPr>
+            <a:spLocks noGrp="1"/>
+          </p:cNvSpPr>
+          <p:nvPr>
+            <p:ph type="title"/>
+          </p:nvPr>
+        </p:nvSpPr>
+        <p:spPr/>
+        <p:txBody>
+          <a:bodyPr/>
+          <a:lstStyle/>
+          <a:p>
+            <a:pPr algn="ctr"/>
             <a:r>
               <a:rPr lang="es-CO" dirty="0" smtClean="0">
                 <a:solidFill>
                   <a:srgbClr val="C00000"/>
                 </a:solidFill>
-                <a:latin typeface="+mj-lt"/>
-              </a:rPr>
-              <a:t>proceso ágil </a:t>
-            </a:r>
-            <a:r>
-              <a:rPr lang="es-CO" dirty="0" smtClean="0">
-                <a:latin typeface="+mj-lt"/>
-              </a:rPr>
-              <a:t>utiliza un enfoque basado en el </a:t>
+                <a:latin typeface="Dekar" panose="02000000000000000000" pitchFamily="50" charset="0"/>
+              </a:rPr>
+              <a:t>Principales metodologías </a:t>
             </a:r>
             <a:r>
               <a:rPr lang="es-CO" dirty="0" smtClean="0">
                 <a:solidFill>
                   <a:srgbClr val="C00000"/>
                 </a:solidFill>
-                <a:latin typeface="+mj-lt"/>
-              </a:rPr>
-              <a:t>valor</a:t>
-            </a:r>
-            <a:r>
-              <a:rPr lang="es-CO" dirty="0" smtClean="0">
-                <a:latin typeface="+mj-lt"/>
-              </a:rPr>
-              <a:t> </a:t>
-            </a:r>
-            <a:endParaRPr lang="es-CO" dirty="0" smtClean="0">
-              <a:latin typeface="+mj-lt"/>
-            </a:endParaRPr>
-          </a:p>
-          <a:p>
-            <a:pPr marL="0" indent="0" algn="ctr">
-              <a:lnSpc>
-                <a:spcPct val="100000"/>
-              </a:lnSpc>
-              <a:buNone/>
-            </a:pPr>
-            <a:r>
-              <a:rPr lang="es-CO" dirty="0" smtClean="0">
-                <a:latin typeface="+mj-lt"/>
-              </a:rPr>
-              <a:t>para </a:t>
-            </a:r>
-            <a:r>
-              <a:rPr lang="es-CO" dirty="0" smtClean="0">
-                <a:latin typeface="+mj-lt"/>
-              </a:rPr>
-              <a:t>construir software, </a:t>
-            </a:r>
-            <a:r>
-              <a:rPr lang="es-CO" dirty="0" smtClean="0">
-                <a:solidFill>
-                  <a:srgbClr val="C00000"/>
-                </a:solidFill>
-                <a:latin typeface="+mj-lt"/>
-              </a:rPr>
-              <a:t>colaborando</a:t>
-            </a:r>
-            <a:r>
-              <a:rPr lang="es-CO" dirty="0" smtClean="0">
-                <a:latin typeface="+mj-lt"/>
-              </a:rPr>
-              <a:t> con el cliente </a:t>
-            </a:r>
-          </a:p>
-          <a:p>
-            <a:pPr marL="0" indent="0" algn="ctr">
-              <a:lnSpc>
-                <a:spcPct val="100000"/>
-              </a:lnSpc>
-              <a:buNone/>
-            </a:pPr>
-            <a:r>
-              <a:rPr lang="es-CO" dirty="0" smtClean="0">
-                <a:latin typeface="+mj-lt"/>
-              </a:rPr>
-              <a:t>e </a:t>
-            </a:r>
-            <a:r>
-              <a:rPr lang="es-CO" dirty="0" smtClean="0">
-                <a:solidFill>
-                  <a:srgbClr val="C00000"/>
-                </a:solidFill>
-                <a:latin typeface="+mj-lt"/>
-              </a:rPr>
-              <a:t>incorporando</a:t>
-            </a:r>
-            <a:r>
-              <a:rPr lang="es-CO" dirty="0" smtClean="0">
-                <a:latin typeface="+mj-lt"/>
-              </a:rPr>
-              <a:t> los cambios continuamente</a:t>
+                <a:latin typeface="Dekar" panose="02000000000000000000" pitchFamily="50" charset="0"/>
+              </a:rPr>
+              <a:t>ágiles</a:t>
             </a:r>
             <a:endParaRPr lang="fr-FR" dirty="0">
               <a:solidFill>
                 <a:srgbClr val="C00000"/>
               </a:solidFill>
-              <a:latin typeface="+mj-lt"/>
+              <a:latin typeface="Dekar" panose="02000000000000000000" pitchFamily="50" charset="0"/>
             </a:endParaRPr>
+          </a:p>
+        </p:txBody>
+      </p:sp>
+      <p:sp>
+        <p:nvSpPr>
+          <p:cNvPr id="5" name="Content Placeholder 4"/>
+          <p:cNvSpPr>
+            <a:spLocks noGrp="1"/>
+          </p:cNvSpPr>
+          <p:nvPr>
+            <p:ph idx="1"/>
+          </p:nvPr>
+        </p:nvSpPr>
+        <p:spPr/>
+        <p:txBody>
+          <a:bodyPr/>
+          <a:lstStyle/>
+          <a:p>
+            <a:pPr marL="0" indent="0">
+              <a:buNone/>
+            </a:pPr>
+            <a:r>
+              <a:rPr lang="es-CO" dirty="0" smtClean="0">
+                <a:solidFill>
+                  <a:srgbClr val="C00000"/>
+                </a:solidFill>
+                <a:latin typeface="+mj-lt"/>
+              </a:rPr>
+              <a:t>Extreme Programing (XP)</a:t>
+            </a:r>
+            <a:r>
+              <a:rPr lang="es-CO" dirty="0" smtClean="0">
+                <a:latin typeface="+mj-lt"/>
+              </a:rPr>
+              <a:t>. </a:t>
+            </a:r>
+            <a:r>
+              <a:rPr lang="es-CO" dirty="0" smtClean="0">
+                <a:latin typeface="+mj-lt"/>
+              </a:rPr>
+              <a:t>Metodología centrada en potenciar las relaciones interpersonales como clave para el éxito en </a:t>
+            </a:r>
+            <a:r>
+              <a:rPr lang="es-CO" dirty="0" smtClean="0">
+                <a:latin typeface="+mj-lt"/>
+              </a:rPr>
+              <a:t>el desarrollo </a:t>
+            </a:r>
+            <a:r>
+              <a:rPr lang="es-CO" dirty="0" smtClean="0">
+                <a:latin typeface="+mj-lt"/>
+              </a:rPr>
+              <a:t>de software, promoviendo el trabajo en equipo, preocupándose por el aprendizaje de los desarrolladores y propiciando un buen CLIO.</a:t>
+            </a:r>
           </a:p>
         </p:txBody>
       </p:sp>
     </p:spTree>
     <p:extLst>
       <p:ext uri="{BB962C8B-B14F-4D97-AF65-F5344CB8AC3E}">
-        <p14:creationId xmlns:p14="http://schemas.microsoft.com/office/powerpoint/2010/main" val="4162369892"/>
+        <p14:creationId xmlns:p14="http://schemas.microsoft.com/office/powerpoint/2010/main" val="1298820666"/>
       </p:ext>
     </p:extLst>
   </p:cSld>
   <p:clrMapOvr>
     <a:masterClrMapping/>
   </p:clrMapOvr>
+  <p:timing>
+    <p:tnLst>
+      <p:par>
+        <p:cTn id="1" dur="indefinite" restart="never" nodeType="tmRoot"/>
+      </p:par>
+    </p:tnLst>
+  </p:timing>
 </p:sld>
 </file>
 
@@ -13144,25 +13118,7 @@
                 </a:solidFill>
                 <a:latin typeface="Dekar" panose="02000000000000000000" pitchFamily="50" charset="0"/>
               </a:rPr>
-              <a:t>Principales metodologías ágiles (1</a:t>
-            </a:r>
-            <a:r>
-              <a:rPr lang="es-CO" dirty="0" smtClean="0">
-                <a:solidFill>
-                  <a:srgbClr val="C00000"/>
-                </a:solidFill>
-                <a:latin typeface="Calibri Light" panose="020F0302020204030204" pitchFamily="34" charset="0"/>
-              </a:rPr>
-              <a:t> /</a:t>
-            </a:r>
-            <a:r>
-              <a:rPr lang="es-CO" dirty="0" smtClean="0">
-                <a:solidFill>
-                  <a:srgbClr val="C00000"/>
-                </a:solidFill>
-                <a:latin typeface="Dekar" panose="02000000000000000000" pitchFamily="50" charset="0"/>
-              </a:rPr>
-              <a:t>2)</a:t>
+              <a:t>Metodología Scrum</a:t>
             </a:r>
             <a:endParaRPr lang="fr-FR" dirty="0">
               <a:solidFill>
@@ -13175,7 +13131,7 @@
       </p:sp>
       <p:sp>
         <p:nvSpPr>
-          <p:cNvPr id="5" name="Content Placeholder 4"/>
+          <p:cNvPr id="6" name="Content Placeholder 5"/>
           <p:cNvSpPr>
             <a:spLocks noGrp="1"/>
           </p:cNvSpPr>
@@ -13183,99 +13139,124 @@
             <p:ph idx="1"/>
           </p:nvPr>
         </p:nvSpPr>
-        <p:spPr/>
-        <p:txBody>
-          <a:bodyPr/>
-          <a:lstStyle/>
-          <a:p>
-            <a:pPr marL="0" indent="0" algn="ctr">
+        <p:spPr>
+          <a:xfrm>
+            <a:off x="838200" y="1574800"/>
+            <a:ext cx="10515600" cy="4602163"/>
+          </a:xfrm>
+        </p:spPr>
+        <p:txBody>
+          <a:bodyPr>
+            <a:normAutofit/>
+          </a:bodyPr>
+          <a:lstStyle/>
+          <a:p>
+            <a:pPr marL="0" indent="0">
               <a:buNone/>
             </a:pPr>
-            <a:endParaRPr lang="es-CO" dirty="0" smtClean="0"/>
-          </a:p>
-          <a:p>
-            <a:pPr marL="0" indent="0" algn="ctr">
+            <a:r>
+              <a:rPr lang="es-CO" dirty="0" smtClean="0">
+                <a:latin typeface="+mj-lt"/>
+              </a:rPr>
+              <a:t>Características:</a:t>
+            </a:r>
+          </a:p>
+          <a:p>
+            <a:pPr marL="0" indent="0">
               <a:buNone/>
             </a:pPr>
-            <a:r>
-              <a:rPr lang="es-CO" dirty="0" smtClean="0">
-                <a:solidFill>
-                  <a:srgbClr val="C00000"/>
-                </a:solidFill>
-                <a:latin typeface="+mj-lt"/>
-              </a:rPr>
-              <a:t>SCRUM</a:t>
-            </a:r>
-            <a:r>
-              <a:rPr lang="es-CO" dirty="0" smtClean="0">
-                <a:latin typeface="+mj-lt"/>
-              </a:rPr>
-              <a:t>. Marco de trabajo que proporciona una serie de herramientas y roles para, de una forma iterativa, poder ver el progreso y los resultados de un proyecto</a:t>
-            </a:r>
-          </a:p>
-          <a:p>
-            <a:pPr marL="0" indent="0" algn="ctr">
-              <a:buNone/>
-            </a:pPr>
-            <a:endParaRPr lang="es-CO" dirty="0">
+            <a:endParaRPr lang="es-CO" dirty="0" smtClean="0">
               <a:latin typeface="+mj-lt"/>
             </a:endParaRPr>
           </a:p>
           <a:p>
-            <a:pPr marL="0" indent="0" algn="ctr">
-              <a:buNone/>
+            <a:pPr marL="971550" lvl="1" indent="-514350">
+              <a:buAutoNum type="arabicPeriod"/>
             </a:pPr>
             <a:r>
               <a:rPr lang="es-CO" dirty="0" smtClean="0">
+                <a:latin typeface="+mj-lt"/>
+              </a:rPr>
+              <a:t>Aporta </a:t>
+            </a:r>
+            <a:r>
+              <a:rPr lang="es-CO" dirty="0" smtClean="0">
+                <a:latin typeface="+mj-lt"/>
+              </a:rPr>
+              <a:t>una estrategia de </a:t>
+            </a:r>
+            <a:r>
+              <a:rPr lang="es-CO" dirty="0" smtClean="0">
                 <a:solidFill>
                   <a:srgbClr val="C00000"/>
                 </a:solidFill>
                 <a:latin typeface="+mj-lt"/>
               </a:rPr>
-              <a:t>KANBAN</a:t>
+              <a:t>desarrollo incremental</a:t>
             </a:r>
             <a:r>
               <a:rPr lang="es-CO" dirty="0" smtClean="0">
                 <a:latin typeface="+mj-lt"/>
               </a:rPr>
-              <a:t>. Se basa en una idea simple. El trabajo en curso (</a:t>
-            </a:r>
-            <a:r>
-              <a:rPr lang="es-CO" dirty="0" err="1" smtClean="0">
+              <a:t>, en lugar de la planificación y ejecución completa del producto.</a:t>
+            </a:r>
+          </a:p>
+          <a:p>
+            <a:pPr marL="971550" lvl="1" indent="-514350">
+              <a:buAutoNum type="arabicPeriod"/>
+            </a:pPr>
+            <a:r>
+              <a:rPr lang="es-CO" dirty="0" smtClean="0">
                 <a:latin typeface="+mj-lt"/>
               </a:rPr>
-              <a:t>work</a:t>
-            </a:r>
-            <a:r>
-              <a:rPr lang="es-CO" dirty="0" smtClean="0">
+              <a:t>La calidad del resultado se basa principalmente en el conocimiento innato de las personas en </a:t>
+            </a:r>
+            <a:r>
+              <a:rPr lang="es-CO" dirty="0" smtClean="0">
+                <a:solidFill>
+                  <a:srgbClr val="C00000"/>
+                </a:solidFill>
                 <a:latin typeface="+mj-lt"/>
               </a:rPr>
-              <a:t> in </a:t>
-            </a:r>
-            <a:r>
-              <a:rPr lang="es-CO" dirty="0" err="1" smtClean="0">
+              <a:t>equipos auto organizados</a:t>
+            </a:r>
+            <a:r>
+              <a:rPr lang="es-CO" dirty="0" smtClean="0">
                 <a:latin typeface="+mj-lt"/>
               </a:rPr>
-              <a:t>progress</a:t>
-            </a:r>
+              <a:t>, antes que en la calidad de los procesos empleados.</a:t>
+            </a:r>
+          </a:p>
+          <a:p>
+            <a:pPr marL="971550" lvl="1" indent="-514350">
+              <a:buAutoNum type="arabicPeriod"/>
+            </a:pPr>
             <a:r>
               <a:rPr lang="es-CO" dirty="0" smtClean="0">
                 <a:latin typeface="+mj-lt"/>
               </a:rPr>
-              <a:t>, </a:t>
-            </a:r>
-            <a:r>
-              <a:rPr lang="es-CO" dirty="0" err="1" smtClean="0">
+              <a:t>Seguir los pasos del desarrollo ágil: Desde el concepto o visión general de la necesidad del cliente, construcción del producto de forma incremental a través de iteraciones. Estas iteraciones se repiten de forma continua hasta que el cliente da por cerrada la </a:t>
+            </a:r>
+            <a:r>
+              <a:rPr lang="es-CO" dirty="0" smtClean="0">
+                <a:solidFill>
+                  <a:srgbClr val="C00000"/>
+                </a:solidFill>
                 <a:latin typeface="+mj-lt"/>
               </a:rPr>
-              <a:t>wip</a:t>
+              <a:t>evolución del producto</a:t>
             </a:r>
             <a:r>
               <a:rPr lang="es-CO" dirty="0" smtClean="0">
                 <a:latin typeface="+mj-lt"/>
               </a:rPr>
-              <a:t>) debería limitarse y solo se debe empezar con algo nuevo cuando un bloque de trabajo anterior haya sido entregado o ha pasado a otra función posterior de la cadena.</a:t>
-            </a:r>
+              <a:t>.</a:t>
+            </a:r>
+          </a:p>
+          <a:p>
+            <a:pPr marL="0" indent="0">
+              <a:buNone/>
+            </a:pPr>
             <a:endParaRPr lang="fr-FR" dirty="0">
               <a:latin typeface="+mj-lt"/>
             </a:endParaRPr>
@@ -13285,7 +13266,7 @@
     </p:spTree>
     <p:extLst>
       <p:ext uri="{BB962C8B-B14F-4D97-AF65-F5344CB8AC3E}">
-        <p14:creationId xmlns:p14="http://schemas.microsoft.com/office/powerpoint/2010/main" val="4151194447"/>
+        <p14:creationId xmlns:p14="http://schemas.microsoft.com/office/powerpoint/2010/main" val="895661879"/>
       </p:ext>
     </p:extLst>
   </p:cSld>
